--- a/doc/task-07/Task07.pptx
+++ b/doc/task-07/Task07.pptx
@@ -13,7 +13,7 @@
     <p:sldId id="260" r:id="rId7"/>
     <p:sldId id="259" r:id="rId8"/>
     <p:sldId id="298" r:id="rId9"/>
-    <p:sldId id="297" r:id="rId10"/>
+    <p:sldId id="300" r:id="rId10"/>
     <p:sldId id="299" r:id="rId11"/>
     <p:sldId id="295" r:id="rId12"/>
     <p:sldId id="296" r:id="rId13"/>
@@ -257,7 +257,7 @@
               <a:pPr>
                 <a:defRPr/>
               </a:pPr>
-              <a:t>14.01.20</a:t>
+              <a:t>15.01.2020</a:t>
             </a:fld>
             <a:endParaRPr lang="de-CH"/>
           </a:p>
@@ -1042,6 +1042,96 @@
           <a:bodyPr/>
           <a:lstStyle/>
           <a:p>
+            <a:endParaRPr lang="de-CH" dirty="0"/>
+          </a:p>
+        </p:txBody>
+      </p:sp>
+      <p:sp>
+        <p:nvSpPr>
+          <p:cNvPr id="4" name="Foliennummernplatzhalter 3"/>
+          <p:cNvSpPr>
+            <a:spLocks noGrp="1"/>
+          </p:cNvSpPr>
+          <p:nvPr>
+            <p:ph type="sldNum" sz="quarter" idx="5"/>
+          </p:nvPr>
+        </p:nvSpPr>
+        <p:spPr/>
+        <p:txBody>
+          <a:bodyPr/>
+          <a:lstStyle/>
+          <a:p>
+            <a:pPr>
+              <a:defRPr/>
+            </a:pPr>
+            <a:fld id="{EE3A4D74-8AB3-4782-8193-8B0B8D7F57EA}" type="slidenum">
+              <a:rPr lang="de-CH" smtClean="0"/>
+              <a:pPr>
+                <a:defRPr/>
+              </a:pPr>
+              <a:t>6</a:t>
+            </a:fld>
+            <a:endParaRPr lang="de-CH"/>
+          </a:p>
+        </p:txBody>
+      </p:sp>
+    </p:spTree>
+    <p:extLst>
+      <p:ext uri="{BB962C8B-B14F-4D97-AF65-F5344CB8AC3E}">
+        <p14:creationId xmlns:p14="http://schemas.microsoft.com/office/powerpoint/2010/main" val="1802605468"/>
+      </p:ext>
+    </p:extLst>
+  </p:cSld>
+  <p:clrMapOvr>
+    <a:masterClrMapping/>
+  </p:clrMapOvr>
+</p:notes>
+</file>
+
+<file path=ppt/notesSlides/notesSlide6.xml><?xml version="1.0" encoding="utf-8"?>
+<p:notes xmlns:a="http://schemas.openxmlformats.org/drawingml/2006/main" xmlns:r="http://schemas.openxmlformats.org/officeDocument/2006/relationships" xmlns:p="http://schemas.openxmlformats.org/presentationml/2006/main">
+  <p:cSld>
+    <p:spTree>
+      <p:nvGrpSpPr>
+        <p:cNvPr id="1" name=""/>
+        <p:cNvGrpSpPr/>
+        <p:nvPr/>
+      </p:nvGrpSpPr>
+      <p:grpSpPr>
+        <a:xfrm>
+          <a:off x="0" y="0"/>
+          <a:ext cx="0" cy="0"/>
+          <a:chOff x="0" y="0"/>
+          <a:chExt cx="0" cy="0"/>
+        </a:xfrm>
+      </p:grpSpPr>
+      <p:sp>
+        <p:nvSpPr>
+          <p:cNvPr id="2" name="Folienbildplatzhalter 1"/>
+          <p:cNvSpPr>
+            <a:spLocks noGrp="1" noRot="1" noChangeAspect="1"/>
+          </p:cNvSpPr>
+          <p:nvPr>
+            <p:ph type="sldImg"/>
+          </p:nvPr>
+        </p:nvSpPr>
+        <p:spPr/>
+      </p:sp>
+      <p:sp>
+        <p:nvSpPr>
+          <p:cNvPr id="3" name="Notizenplatzhalter 2"/>
+          <p:cNvSpPr>
+            <a:spLocks noGrp="1"/>
+          </p:cNvSpPr>
+          <p:nvPr>
+            <p:ph type="body" idx="1"/>
+          </p:nvPr>
+        </p:nvSpPr>
+        <p:spPr/>
+        <p:txBody>
+          <a:bodyPr/>
+          <a:lstStyle/>
+          <a:p>
             <a:r>
               <a:rPr lang="de-CH" dirty="0" err="1"/>
               <a:t>Product</a:t>
@@ -1726,7 +1816,7 @@
               <a:pPr>
                 <a:defRPr/>
               </a:pPr>
-              <a:t>14.01.20</a:t>
+              <a:t>15.01.2020</a:t>
             </a:fld>
             <a:r>
               <a:rPr lang="de-DE" sz="1000"/>
@@ -3164,7 +3254,7 @@
               <a:pPr>
                 <a:defRPr/>
               </a:pPr>
-              <a:t>14.01.20</a:t>
+              <a:t>15.01.2020</a:t>
             </a:fld>
             <a:r>
               <a:rPr lang="de-DE" sz="1000"/>
@@ -8273,19 +8363,79 @@
             <p:ph sz="half" idx="1"/>
           </p:nvPr>
         </p:nvSpPr>
-        <p:spPr/>
+        <p:spPr>
+          <a:xfrm>
+            <a:off x="457201" y="1332000"/>
+            <a:ext cx="3657600" cy="4788000"/>
+          </a:xfrm>
+        </p:spPr>
         <p:txBody>
           <a:bodyPr/>
           <a:lstStyle/>
           <a:p>
-            <a:endParaRPr lang="de-CH" dirty="0"/>
-          </a:p>
-        </p:txBody>
-      </p:sp>
+            <a:r>
+              <a:rPr lang="de-CH" dirty="0"/>
+              <a:t>Modularer Aufbau der Views</a:t>
+            </a:r>
+          </a:p>
+          <a:p>
+            <a:r>
+              <a:rPr lang="de-CH" dirty="0" err="1"/>
+              <a:t>MainLayoutView</a:t>
+            </a:r>
+            <a:r>
+              <a:rPr lang="de-CH" dirty="0"/>
+              <a:t> als Grundstruktur</a:t>
+            </a:r>
+          </a:p>
+          <a:p>
+            <a:r>
+              <a:rPr lang="de-CH" dirty="0"/>
+              <a:t>Restliche Views erben davon</a:t>
+            </a:r>
+          </a:p>
+          <a:p>
+            <a:r>
+              <a:rPr lang="de-CH" dirty="0"/>
+              <a:t>Bausteine durch «Super»-Aufruf hinzugefügt</a:t>
+            </a:r>
+          </a:p>
+        </p:txBody>
+      </p:sp>
+      <p:pic>
+        <p:nvPicPr>
+          <p:cNvPr id="2" name="Grafik 1">
+            <a:extLst>
+              <a:ext uri="{FF2B5EF4-FFF2-40B4-BE49-F238E27FC236}">
+                <a16:creationId xmlns:a16="http://schemas.microsoft.com/office/drawing/2014/main" id="{711CC822-2349-457F-8EDB-5E94C32D8770}"/>
+              </a:ext>
+            </a:extLst>
+          </p:cNvPr>
+          <p:cNvPicPr>
+            <a:picLocks noChangeAspect="1"/>
+          </p:cNvPicPr>
+          <p:nvPr/>
+        </p:nvPicPr>
+        <p:blipFill>
+          <a:blip r:embed="rId3"/>
+          <a:stretch>
+            <a:fillRect/>
+          </a:stretch>
+        </p:blipFill>
+        <p:spPr>
+          <a:xfrm>
+            <a:off x="4260152" y="630000"/>
+            <a:ext cx="7446073" cy="5392740"/>
+          </a:xfrm>
+          <a:prstGeom prst="rect">
+            <a:avLst/>
+          </a:prstGeom>
+        </p:spPr>
+      </p:pic>
     </p:spTree>
     <p:extLst>
       <p:ext uri="{BB962C8B-B14F-4D97-AF65-F5344CB8AC3E}">
-        <p14:creationId xmlns:p14="http://schemas.microsoft.com/office/powerpoint/2010/main" val="3494505304"/>
+        <p14:creationId xmlns:p14="http://schemas.microsoft.com/office/powerpoint/2010/main" val="3468746915"/>
       </p:ext>
     </p:extLst>
   </p:cSld>
@@ -9268,9 +9418,12 @@
 </file>
 
 <file path=customXml/item1.xml><?xml version="1.0" encoding="utf-8"?>
-<p:properties xmlns:p="http://schemas.microsoft.com/office/2006/metadata/properties" xmlns:xsi="http://www.w3.org/2001/XMLSchema-instance" xmlns:pc="http://schemas.microsoft.com/office/infopath/2007/PartnerControls">
-  <documentManagement/>
-</p:properties>
+<?mso-contentType ?>
+<FormTemplates xmlns="http://schemas.microsoft.com/sharepoint/v3/contenttype/forms">
+  <Display>DocumentLibraryForm</Display>
+  <Edit>DocumentLibraryForm</Edit>
+  <New>DocumentLibraryForm</New>
+</FormTemplates>
 </file>
 
 <file path=customXml/item2.xml><?xml version="1.0" encoding="utf-8"?>
@@ -9406,26 +9559,15 @@
 </file>
 
 <file path=customXml/item3.xml><?xml version="1.0" encoding="utf-8"?>
-<?mso-contentType ?>
-<FormTemplates xmlns="http://schemas.microsoft.com/sharepoint/v3/contenttype/forms">
-  <Display>DocumentLibraryForm</Display>
-  <Edit>DocumentLibraryForm</Edit>
-  <New>DocumentLibraryForm</New>
-</FormTemplates>
+<p:properties xmlns:p="http://schemas.microsoft.com/office/2006/metadata/properties" xmlns:xsi="http://www.w3.org/2001/XMLSchema-instance" xmlns:pc="http://schemas.microsoft.com/office/infopath/2007/PartnerControls">
+  <documentManagement/>
+</p:properties>
 </file>
 
 <file path=customXml/itemProps1.xml><?xml version="1.0" encoding="utf-8"?>
-<ds:datastoreItem xmlns:ds="http://schemas.openxmlformats.org/officeDocument/2006/customXml" ds:itemID="{66985437-8812-4ABE-89CE-3E49C89E0BF6}">
+<ds:datastoreItem xmlns:ds="http://schemas.openxmlformats.org/officeDocument/2006/customXml" ds:itemID="{7D2542CC-467A-4770-BDA7-ADCFF09F6DBF}">
   <ds:schemaRefs>
-    <ds:schemaRef ds:uri="de7f4a71-b510-446a-a776-c787f58d5553"/>
-    <ds:schemaRef ds:uri="http://schemas.openxmlformats.org/package/2006/metadata/core-properties"/>
-    <ds:schemaRef ds:uri="http://schemas.microsoft.com/office/2006/metadata/properties"/>
-    <ds:schemaRef ds:uri="http://purl.org/dc/terms/"/>
-    <ds:schemaRef ds:uri="http://purl.org/dc/dcmitype/"/>
-    <ds:schemaRef ds:uri="http://purl.org/dc/elements/1.1/"/>
-    <ds:schemaRef ds:uri="http://schemas.microsoft.com/office/infopath/2007/PartnerControls"/>
-    <ds:schemaRef ds:uri="http://schemas.microsoft.com/office/2006/documentManagement/types"/>
-    <ds:schemaRef ds:uri="http://www.w3.org/XML/1998/namespace"/>
+    <ds:schemaRef ds:uri="http://schemas.microsoft.com/sharepoint/v3/contenttype/forms"/>
   </ds:schemaRefs>
 </ds:datastoreItem>
 </file>
@@ -9449,9 +9591,17 @@
 </file>
 
 <file path=customXml/itemProps3.xml><?xml version="1.0" encoding="utf-8"?>
-<ds:datastoreItem xmlns:ds="http://schemas.openxmlformats.org/officeDocument/2006/customXml" ds:itemID="{7D2542CC-467A-4770-BDA7-ADCFF09F6DBF}">
+<ds:datastoreItem xmlns:ds="http://schemas.openxmlformats.org/officeDocument/2006/customXml" ds:itemID="{66985437-8812-4ABE-89CE-3E49C89E0BF6}">
   <ds:schemaRefs>
-    <ds:schemaRef ds:uri="http://schemas.microsoft.com/sharepoint/v3/contenttype/forms"/>
+    <ds:schemaRef ds:uri="de7f4a71-b510-446a-a776-c787f58d5553"/>
+    <ds:schemaRef ds:uri="http://schemas.openxmlformats.org/package/2006/metadata/core-properties"/>
+    <ds:schemaRef ds:uri="http://schemas.microsoft.com/office/2006/metadata/properties"/>
+    <ds:schemaRef ds:uri="http://purl.org/dc/terms/"/>
+    <ds:schemaRef ds:uri="http://purl.org/dc/dcmitype/"/>
+    <ds:schemaRef ds:uri="http://purl.org/dc/elements/1.1/"/>
+    <ds:schemaRef ds:uri="http://schemas.microsoft.com/office/infopath/2007/PartnerControls"/>
+    <ds:schemaRef ds:uri="http://schemas.microsoft.com/office/2006/documentManagement/types"/>
+    <ds:schemaRef ds:uri="http://www.w3.org/XML/1998/namespace"/>
   </ds:schemaRefs>
 </ds:datastoreItem>
 </file>
--- a/doc/task-07/Task07.pptx
+++ b/doc/task-07/Task07.pptx
@@ -5,7 +5,7 @@
     <p:sldMasterId id="2147483669" r:id="rId4"/>
   </p:sldMasterIdLst>
   <p:notesMasterIdLst>
-    <p:notesMasterId r:id="rId16"/>
+    <p:notesMasterId r:id="rId17"/>
   </p:notesMasterIdLst>
   <p:sldIdLst>
     <p:sldId id="256" r:id="rId5"/>
@@ -13,12 +13,13 @@
     <p:sldId id="260" r:id="rId7"/>
     <p:sldId id="259" r:id="rId8"/>
     <p:sldId id="298" r:id="rId9"/>
-    <p:sldId id="300" r:id="rId10"/>
-    <p:sldId id="299" r:id="rId11"/>
-    <p:sldId id="295" r:id="rId12"/>
-    <p:sldId id="296" r:id="rId13"/>
-    <p:sldId id="264" r:id="rId14"/>
-    <p:sldId id="265" r:id="rId15"/>
+    <p:sldId id="301" r:id="rId10"/>
+    <p:sldId id="300" r:id="rId11"/>
+    <p:sldId id="299" r:id="rId12"/>
+    <p:sldId id="295" r:id="rId13"/>
+    <p:sldId id="296" r:id="rId14"/>
+    <p:sldId id="264" r:id="rId15"/>
+    <p:sldId id="265" r:id="rId16"/>
   </p:sldIdLst>
   <p:sldSz cx="12207875" cy="6858000"/>
   <p:notesSz cx="6797675" cy="9872663"/>
@@ -257,7 +258,7 @@
               <a:pPr>
                 <a:defRPr/>
               </a:pPr>
-              <a:t>15.01.2020</a:t>
+              <a:t>16.01.2020</a:t>
             </a:fld>
             <a:endParaRPr lang="de-CH"/>
           </a:p>
@@ -1069,7 +1070,7 @@
               <a:pPr>
                 <a:defRPr/>
               </a:pPr>
-              <a:t>6</a:t>
+              <a:t>7</a:t>
             </a:fld>
             <a:endParaRPr lang="de-CH"/>
           </a:p>
@@ -1174,7 +1175,7 @@
               <a:pPr>
                 <a:defRPr/>
               </a:pPr>
-              <a:t>10</a:t>
+              <a:t>11</a:t>
             </a:fld>
             <a:endParaRPr lang="de-CH"/>
           </a:p>
@@ -1816,7 +1817,7 @@
               <a:pPr>
                 <a:defRPr/>
               </a:pPr>
-              <a:t>15.01.2020</a:t>
+              <a:t>16.01.2020</a:t>
             </a:fld>
             <a:r>
               <a:rPr lang="de-DE" sz="1000"/>
@@ -3254,7 +3255,7 @@
               <a:pPr>
                 <a:defRPr/>
               </a:pPr>
-              <a:t>15.01.2020</a:t>
+              <a:t>16.01.2020</a:t>
             </a:fld>
             <a:r>
               <a:rPr lang="de-DE" sz="1000"/>
@@ -7505,6 +7506,95 @@
       </p:grpSpPr>
       <p:sp>
         <p:nvSpPr>
+          <p:cNvPr id="2" name="Inhaltsplatzhalter 1">
+            <a:extLst>
+              <a:ext uri="{FF2B5EF4-FFF2-40B4-BE49-F238E27FC236}">
+                <a16:creationId xmlns:a16="http://schemas.microsoft.com/office/drawing/2014/main" id="{19572D01-E7C4-4B81-9FCD-595177684BEA}"/>
+              </a:ext>
+            </a:extLst>
+          </p:cNvPr>
+          <p:cNvSpPr>
+            <a:spLocks noGrp="1"/>
+          </p:cNvSpPr>
+          <p:nvPr>
+            <p:ph sz="half" idx="1"/>
+          </p:nvPr>
+        </p:nvSpPr>
+        <p:spPr/>
+        <p:txBody>
+          <a:bodyPr/>
+          <a:lstStyle/>
+          <a:p>
+            <a:r>
+              <a:rPr lang="de-CH" dirty="0"/>
+              <a:t>Titelbild: https://image.jimcdn.com/app/cms/image/transf/dimension=697x10000:format=jpg/path/sd47613ceb1db53f4/image/ib674891e8fb5286a/version/1515513892/patientenzimmer-untersuchungszimmer-praxis-hausarzt-friedeck-rothenburg.jpg</a:t>
+            </a:r>
+          </a:p>
+          <a:p>
+            <a:endParaRPr lang="de-CH" dirty="0"/>
+          </a:p>
+        </p:txBody>
+      </p:sp>
+      <p:sp>
+        <p:nvSpPr>
+          <p:cNvPr id="3" name="Titel 2">
+            <a:extLst>
+              <a:ext uri="{FF2B5EF4-FFF2-40B4-BE49-F238E27FC236}">
+                <a16:creationId xmlns:a16="http://schemas.microsoft.com/office/drawing/2014/main" id="{93DE674A-067F-4DB4-9443-098DF8E86245}"/>
+              </a:ext>
+            </a:extLst>
+          </p:cNvPr>
+          <p:cNvSpPr>
+            <a:spLocks noGrp="1"/>
+          </p:cNvSpPr>
+          <p:nvPr>
+            <p:ph type="ctrTitle"/>
+          </p:nvPr>
+        </p:nvSpPr>
+        <p:spPr/>
+        <p:txBody>
+          <a:bodyPr/>
+          <a:lstStyle/>
+          <a:p>
+            <a:r>
+              <a:rPr lang="de-CH" dirty="0"/>
+              <a:t>Bilderquellen</a:t>
+            </a:r>
+          </a:p>
+        </p:txBody>
+      </p:sp>
+    </p:spTree>
+    <p:extLst>
+      <p:ext uri="{BB962C8B-B14F-4D97-AF65-F5344CB8AC3E}">
+        <p14:creationId xmlns:p14="http://schemas.microsoft.com/office/powerpoint/2010/main" val="766762239"/>
+      </p:ext>
+    </p:extLst>
+  </p:cSld>
+  <p:clrMapOvr>
+    <a:masterClrMapping/>
+  </p:clrMapOvr>
+</p:sld>
+</file>
+
+<file path=ppt/slides/slide11.xml><?xml version="1.0" encoding="utf-8"?>
+<p:sld xmlns:a="http://schemas.openxmlformats.org/drawingml/2006/main" xmlns:r="http://schemas.openxmlformats.org/officeDocument/2006/relationships" xmlns:p="http://schemas.openxmlformats.org/presentationml/2006/main">
+  <p:cSld>
+    <p:spTree>
+      <p:nvGrpSpPr>
+        <p:cNvPr id="1" name=""/>
+        <p:cNvGrpSpPr/>
+        <p:nvPr/>
+      </p:nvGrpSpPr>
+      <p:grpSpPr>
+        <a:xfrm>
+          <a:off x="0" y="0"/>
+          <a:ext cx="0" cy="0"/>
+          <a:chOff x="0" y="0"/>
+          <a:chExt cx="0" cy="0"/>
+        </a:xfrm>
+      </p:grpSpPr>
+      <p:sp>
+        <p:nvSpPr>
           <p:cNvPr id="3" name="Titel 2">
             <a:extLst>
               <a:ext uri="{FF2B5EF4-FFF2-40B4-BE49-F238E27FC236}">
@@ -7581,7 +7671,7 @@
 </p:sld>
 </file>
 
-<file path=ppt/slides/slide11.xml><?xml version="1.0" encoding="utf-8"?>
+<file path=ppt/slides/slide12.xml><?xml version="1.0" encoding="utf-8"?>
 <p:sld xmlns:a="http://schemas.openxmlformats.org/drawingml/2006/main" xmlns:r="http://schemas.openxmlformats.org/officeDocument/2006/relationships" xmlns:p="http://schemas.openxmlformats.org/presentationml/2006/main">
   <p:cSld>
     <p:spTree>
@@ -8306,6 +8396,763 @@
           <a:chExt cx="0" cy="0"/>
         </a:xfrm>
       </p:grpSpPr>
+      <p:graphicFrame>
+        <p:nvGraphicFramePr>
+          <p:cNvPr id="12" name="Tabelle 11">
+            <a:extLst>
+              <a:ext uri="{FF2B5EF4-FFF2-40B4-BE49-F238E27FC236}">
+                <a16:creationId xmlns:a16="http://schemas.microsoft.com/office/drawing/2014/main" id="{195B34C8-1A33-4AF5-B8C4-65FC1E72DC59}"/>
+              </a:ext>
+            </a:extLst>
+          </p:cNvPr>
+          <p:cNvGraphicFramePr>
+            <a:graphicFrameLocks noGrp="1"/>
+          </p:cNvGraphicFramePr>
+          <p:nvPr>
+            <p:extLst>
+              <p:ext uri="{D42A27DB-BD31-4B8C-83A1-F6EECF244321}">
+                <p14:modId xmlns:p14="http://schemas.microsoft.com/office/powerpoint/2010/main" val="42572835"/>
+              </p:ext>
+            </p:extLst>
+          </p:nvPr>
+        </p:nvGraphicFramePr>
+        <p:xfrm>
+          <a:off x="2785498" y="1574800"/>
+          <a:ext cx="6636878" cy="3708400"/>
+        </p:xfrm>
+        <a:graphic>
+          <a:graphicData uri="http://schemas.openxmlformats.org/drawingml/2006/table">
+            <a:tbl>
+              <a:tblPr firstRow="1" bandRow="1">
+                <a:tableStyleId>{0660B408-B3CF-4A94-85FC-2B1E0A45F4A2}</a:tableStyleId>
+              </a:tblPr>
+              <a:tblGrid>
+                <a:gridCol w="4288789">
+                  <a:extLst>
+                    <a:ext uri="{9D8B030D-6E8A-4147-A177-3AD203B41FA5}">
+                      <a16:colId xmlns:a16="http://schemas.microsoft.com/office/drawing/2014/main" val="2334384978"/>
+                    </a:ext>
+                  </a:extLst>
+                </a:gridCol>
+                <a:gridCol w="2348089">
+                  <a:extLst>
+                    <a:ext uri="{9D8B030D-6E8A-4147-A177-3AD203B41FA5}">
+                      <a16:colId xmlns:a16="http://schemas.microsoft.com/office/drawing/2014/main" val="1974248560"/>
+                    </a:ext>
+                  </a:extLst>
+                </a:gridCol>
+              </a:tblGrid>
+              <a:tr h="370840">
+                <a:tc>
+                  <a:txBody>
+                    <a:bodyPr/>
+                    <a:lstStyle/>
+                    <a:p>
+                      <a:r>
+                        <a:rPr lang="de-CH" dirty="0"/>
+                        <a:t>Design </a:t>
+                      </a:r>
+                      <a:r>
+                        <a:rPr lang="de-CH" dirty="0" err="1"/>
+                        <a:t>Thinkin</a:t>
+                      </a:r>
+                      <a:r>
+                        <a:rPr lang="de-CH" dirty="0"/>
+                        <a:t> </a:t>
+                      </a:r>
+                      <a:r>
+                        <a:rPr lang="de-CH" dirty="0" err="1"/>
+                        <a:t>Ideas</a:t>
+                      </a:r>
+                      <a:endParaRPr lang="de-CH" dirty="0"/>
+                    </a:p>
+                  </a:txBody>
+                  <a:tcPr/>
+                </a:tc>
+                <a:tc>
+                  <a:txBody>
+                    <a:bodyPr/>
+                    <a:lstStyle/>
+                    <a:p>
+                      <a:r>
+                        <a:rPr lang="de-CH" dirty="0" err="1"/>
+                        <a:t>Implemented</a:t>
+                      </a:r>
+                      <a:r>
+                        <a:rPr lang="de-CH" dirty="0"/>
+                        <a:t> Features</a:t>
+                      </a:r>
+                    </a:p>
+                  </a:txBody>
+                  <a:tcPr/>
+                </a:tc>
+                <a:extLst>
+                  <a:ext uri="{0D108BD9-81ED-4DB2-BD59-A6C34878D82A}">
+                    <a16:rowId xmlns:a16="http://schemas.microsoft.com/office/drawing/2014/main" val="2520798276"/>
+                  </a:ext>
+                </a:extLst>
+              </a:tr>
+              <a:tr h="370840">
+                <a:tc>
+                  <a:txBody>
+                    <a:bodyPr/>
+                    <a:lstStyle/>
+                    <a:p>
+                      <a:r>
+                        <a:rPr lang="de-CH" dirty="0"/>
+                        <a:t>Patienten erfassen</a:t>
+                      </a:r>
+                    </a:p>
+                  </a:txBody>
+                  <a:tcPr/>
+                </a:tc>
+                <a:tc>
+                  <a:txBody>
+                    <a:bodyPr/>
+                    <a:lstStyle/>
+                    <a:p>
+                      <a:endParaRPr lang="de-CH" dirty="0"/>
+                    </a:p>
+                  </a:txBody>
+                  <a:tcPr/>
+                </a:tc>
+                <a:extLst>
+                  <a:ext uri="{0D108BD9-81ED-4DB2-BD59-A6C34878D82A}">
+                    <a16:rowId xmlns:a16="http://schemas.microsoft.com/office/drawing/2014/main" val="46703781"/>
+                  </a:ext>
+                </a:extLst>
+              </a:tr>
+              <a:tr h="370840">
+                <a:tc>
+                  <a:txBody>
+                    <a:bodyPr/>
+                    <a:lstStyle/>
+                    <a:p>
+                      <a:r>
+                        <a:rPr lang="de-CH" dirty="0"/>
+                        <a:t>Patientendatenabruf aus EPD</a:t>
+                      </a:r>
+                    </a:p>
+                  </a:txBody>
+                  <a:tcPr/>
+                </a:tc>
+                <a:tc>
+                  <a:txBody>
+                    <a:bodyPr/>
+                    <a:lstStyle/>
+                    <a:p>
+                      <a:endParaRPr lang="de-CH" dirty="0"/>
+                    </a:p>
+                  </a:txBody>
+                  <a:tcPr/>
+                </a:tc>
+                <a:extLst>
+                  <a:ext uri="{0D108BD9-81ED-4DB2-BD59-A6C34878D82A}">
+                    <a16:rowId xmlns:a16="http://schemas.microsoft.com/office/drawing/2014/main" val="1923652536"/>
+                  </a:ext>
+                </a:extLst>
+              </a:tr>
+              <a:tr h="370840">
+                <a:tc>
+                  <a:txBody>
+                    <a:bodyPr/>
+                    <a:lstStyle/>
+                    <a:p>
+                      <a:r>
+                        <a:rPr lang="de-CH" dirty="0"/>
+                        <a:t>Medikamenten verschreiben -&gt; </a:t>
+                      </a:r>
+                      <a:r>
+                        <a:rPr lang="de-CH" dirty="0" err="1"/>
+                        <a:t>hospINDEX</a:t>
+                      </a:r>
+                      <a:endParaRPr lang="de-CH" dirty="0"/>
+                    </a:p>
+                  </a:txBody>
+                  <a:tcPr/>
+                </a:tc>
+                <a:tc>
+                  <a:txBody>
+                    <a:bodyPr/>
+                    <a:lstStyle/>
+                    <a:p>
+                      <a:endParaRPr lang="de-CH" dirty="0"/>
+                    </a:p>
+                  </a:txBody>
+                  <a:tcPr/>
+                </a:tc>
+                <a:extLst>
+                  <a:ext uri="{0D108BD9-81ED-4DB2-BD59-A6C34878D82A}">
+                    <a16:rowId xmlns:a16="http://schemas.microsoft.com/office/drawing/2014/main" val="3890218597"/>
+                  </a:ext>
+                </a:extLst>
+              </a:tr>
+              <a:tr h="370840">
+                <a:tc>
+                  <a:txBody>
+                    <a:bodyPr/>
+                    <a:lstStyle/>
+                    <a:p>
+                      <a:r>
+                        <a:rPr lang="de-CH" dirty="0"/>
+                        <a:t>Medikamenten plausibilisieren like CDS</a:t>
+                      </a:r>
+                    </a:p>
+                  </a:txBody>
+                  <a:tcPr/>
+                </a:tc>
+                <a:tc>
+                  <a:txBody>
+                    <a:bodyPr/>
+                    <a:lstStyle/>
+                    <a:p>
+                      <a:endParaRPr lang="de-CH" dirty="0"/>
+                    </a:p>
+                  </a:txBody>
+                  <a:tcPr/>
+                </a:tc>
+                <a:extLst>
+                  <a:ext uri="{0D108BD9-81ED-4DB2-BD59-A6C34878D82A}">
+                    <a16:rowId xmlns:a16="http://schemas.microsoft.com/office/drawing/2014/main" val="2429677383"/>
+                  </a:ext>
+                </a:extLst>
+              </a:tr>
+              <a:tr h="370840">
+                <a:tc>
+                  <a:txBody>
+                    <a:bodyPr/>
+                    <a:lstStyle/>
+                    <a:p>
+                      <a:r>
+                        <a:rPr lang="de-CH" dirty="0"/>
+                        <a:t>Terminverwaltung</a:t>
+                      </a:r>
+                    </a:p>
+                  </a:txBody>
+                  <a:tcPr/>
+                </a:tc>
+                <a:tc>
+                  <a:txBody>
+                    <a:bodyPr/>
+                    <a:lstStyle/>
+                    <a:p>
+                      <a:endParaRPr lang="de-CH" dirty="0"/>
+                    </a:p>
+                  </a:txBody>
+                  <a:tcPr/>
+                </a:tc>
+                <a:extLst>
+                  <a:ext uri="{0D108BD9-81ED-4DB2-BD59-A6C34878D82A}">
+                    <a16:rowId xmlns:a16="http://schemas.microsoft.com/office/drawing/2014/main" val="3156322168"/>
+                  </a:ext>
+                </a:extLst>
+              </a:tr>
+              <a:tr h="370840">
+                <a:tc>
+                  <a:txBody>
+                    <a:bodyPr/>
+                    <a:lstStyle/>
+                    <a:p>
+                      <a:r>
+                        <a:rPr lang="de-CH" dirty="0"/>
+                        <a:t>Externer Login</a:t>
+                      </a:r>
+                    </a:p>
+                  </a:txBody>
+                  <a:tcPr/>
+                </a:tc>
+                <a:tc>
+                  <a:txBody>
+                    <a:bodyPr/>
+                    <a:lstStyle/>
+                    <a:p>
+                      <a:endParaRPr lang="de-CH" dirty="0"/>
+                    </a:p>
+                  </a:txBody>
+                  <a:tcPr/>
+                </a:tc>
+                <a:extLst>
+                  <a:ext uri="{0D108BD9-81ED-4DB2-BD59-A6C34878D82A}">
+                    <a16:rowId xmlns:a16="http://schemas.microsoft.com/office/drawing/2014/main" val="3406394911"/>
+                  </a:ext>
+                </a:extLst>
+              </a:tr>
+              <a:tr h="370840">
+                <a:tc>
+                  <a:txBody>
+                    <a:bodyPr/>
+                    <a:lstStyle/>
+                    <a:p>
+                      <a:r>
+                        <a:rPr lang="de-CH" dirty="0"/>
+                        <a:t>Vorausgefüllte Formulare ausdrucken</a:t>
+                      </a:r>
+                    </a:p>
+                  </a:txBody>
+                  <a:tcPr/>
+                </a:tc>
+                <a:tc>
+                  <a:txBody>
+                    <a:bodyPr/>
+                    <a:lstStyle/>
+                    <a:p>
+                      <a:endParaRPr lang="de-CH" dirty="0"/>
+                    </a:p>
+                  </a:txBody>
+                  <a:tcPr/>
+                </a:tc>
+                <a:extLst>
+                  <a:ext uri="{0D108BD9-81ED-4DB2-BD59-A6C34878D82A}">
+                    <a16:rowId xmlns:a16="http://schemas.microsoft.com/office/drawing/2014/main" val="3594144525"/>
+                  </a:ext>
+                </a:extLst>
+              </a:tr>
+              <a:tr h="370840">
+                <a:tc>
+                  <a:txBody>
+                    <a:bodyPr/>
+                    <a:lstStyle/>
+                    <a:p>
+                      <a:r>
+                        <a:rPr lang="de-CH" dirty="0"/>
+                        <a:t>Absturzsichere Anwendung</a:t>
+                      </a:r>
+                    </a:p>
+                  </a:txBody>
+                  <a:tcPr/>
+                </a:tc>
+                <a:tc>
+                  <a:txBody>
+                    <a:bodyPr/>
+                    <a:lstStyle/>
+                    <a:p>
+                      <a:endParaRPr lang="de-CH" dirty="0"/>
+                    </a:p>
+                  </a:txBody>
+                  <a:tcPr/>
+                </a:tc>
+                <a:extLst>
+                  <a:ext uri="{0D108BD9-81ED-4DB2-BD59-A6C34878D82A}">
+                    <a16:rowId xmlns:a16="http://schemas.microsoft.com/office/drawing/2014/main" val="3528240554"/>
+                  </a:ext>
+                </a:extLst>
+              </a:tr>
+              <a:tr h="370840">
+                <a:tc>
+                  <a:txBody>
+                    <a:bodyPr/>
+                    <a:lstStyle/>
+                    <a:p>
+                      <a:r>
+                        <a:rPr lang="de-CH" dirty="0"/>
+                        <a:t>Benutzerfreundliche Anwendung</a:t>
+                      </a:r>
+                    </a:p>
+                  </a:txBody>
+                  <a:tcPr/>
+                </a:tc>
+                <a:tc>
+                  <a:txBody>
+                    <a:bodyPr/>
+                    <a:lstStyle/>
+                    <a:p>
+                      <a:endParaRPr lang="de-CH" dirty="0"/>
+                    </a:p>
+                  </a:txBody>
+                  <a:tcPr/>
+                </a:tc>
+                <a:extLst>
+                  <a:ext uri="{0D108BD9-81ED-4DB2-BD59-A6C34878D82A}">
+                    <a16:rowId xmlns:a16="http://schemas.microsoft.com/office/drawing/2014/main" val="2688997149"/>
+                  </a:ext>
+                </a:extLst>
+              </a:tr>
+            </a:tbl>
+          </a:graphicData>
+        </a:graphic>
+      </p:graphicFrame>
+      <p:pic>
+        <p:nvPicPr>
+          <p:cNvPr id="16" name="Grafik 15" descr="Fragezeichen">
+            <a:extLst>
+              <a:ext uri="{FF2B5EF4-FFF2-40B4-BE49-F238E27FC236}">
+                <a16:creationId xmlns:a16="http://schemas.microsoft.com/office/drawing/2014/main" id="{08FF3939-0392-4794-BF5A-8DA5494866EC}"/>
+              </a:ext>
+            </a:extLst>
+          </p:cNvPr>
+          <p:cNvPicPr>
+            <a:picLocks noChangeAspect="1"/>
+          </p:cNvPicPr>
+          <p:nvPr/>
+        </p:nvPicPr>
+        <p:blipFill>
+          <a:blip r:embed="rId2">
+            <a:extLst>
+              <a:ext uri="{96DAC541-7B7A-43D3-8B79-37D633B846F1}">
+                <asvg:svgBlip xmlns:asvg="http://schemas.microsoft.com/office/drawing/2016/SVG/main" r:embed="rId3"/>
+              </a:ext>
+            </a:extLst>
+          </a:blip>
+          <a:stretch>
+            <a:fillRect/>
+          </a:stretch>
+        </p:blipFill>
+        <p:spPr>
+          <a:xfrm>
+            <a:off x="8044877" y="4924844"/>
+            <a:ext cx="384344" cy="384344"/>
+          </a:xfrm>
+          <a:prstGeom prst="rect">
+            <a:avLst/>
+          </a:prstGeom>
+        </p:spPr>
+      </p:pic>
+      <p:pic>
+        <p:nvPicPr>
+          <p:cNvPr id="22" name="Grafik 21" descr="Lachendes Gesicht ohne Füllung">
+            <a:extLst>
+              <a:ext uri="{FF2B5EF4-FFF2-40B4-BE49-F238E27FC236}">
+                <a16:creationId xmlns:a16="http://schemas.microsoft.com/office/drawing/2014/main" id="{4601CC8C-81A9-478D-86FE-785BB6029363}"/>
+              </a:ext>
+            </a:extLst>
+          </p:cNvPr>
+          <p:cNvPicPr>
+            <a:picLocks noChangeAspect="1"/>
+          </p:cNvPicPr>
+          <p:nvPr/>
+        </p:nvPicPr>
+        <p:blipFill>
+          <a:blip r:embed="rId4">
+            <a:extLst>
+              <a:ext uri="{96DAC541-7B7A-43D3-8B79-37D633B846F1}">
+                <asvg:svgBlip xmlns:asvg="http://schemas.microsoft.com/office/drawing/2016/SVG/main" r:embed="rId5"/>
+              </a:ext>
+            </a:extLst>
+          </a:blip>
+          <a:stretch>
+            <a:fillRect/>
+          </a:stretch>
+        </p:blipFill>
+        <p:spPr>
+          <a:xfrm>
+            <a:off x="8044877" y="2317500"/>
+            <a:ext cx="384344" cy="384344"/>
+          </a:xfrm>
+          <a:prstGeom prst="rect">
+            <a:avLst/>
+          </a:prstGeom>
+        </p:spPr>
+      </p:pic>
+      <p:pic>
+        <p:nvPicPr>
+          <p:cNvPr id="26" name="Grafik 25" descr="Trauriges Gesicht ohne Füllung">
+            <a:extLst>
+              <a:ext uri="{FF2B5EF4-FFF2-40B4-BE49-F238E27FC236}">
+                <a16:creationId xmlns:a16="http://schemas.microsoft.com/office/drawing/2014/main" id="{C8A3A64B-0DDF-4255-965C-3CFEF58D5FD6}"/>
+              </a:ext>
+            </a:extLst>
+          </p:cNvPr>
+          <p:cNvPicPr>
+            <a:picLocks noChangeAspect="1"/>
+          </p:cNvPicPr>
+          <p:nvPr/>
+        </p:nvPicPr>
+        <p:blipFill>
+          <a:blip r:embed="rId6">
+            <a:extLst>
+              <a:ext uri="{96DAC541-7B7A-43D3-8B79-37D633B846F1}">
+                <asvg:svgBlip xmlns:asvg="http://schemas.microsoft.com/office/drawing/2016/SVG/main" r:embed="rId7"/>
+              </a:ext>
+            </a:extLst>
+          </a:blip>
+          <a:stretch>
+            <a:fillRect/>
+          </a:stretch>
+        </p:blipFill>
+        <p:spPr>
+          <a:xfrm>
+            <a:off x="8044877" y="1946150"/>
+            <a:ext cx="384344" cy="384344"/>
+          </a:xfrm>
+          <a:prstGeom prst="rect">
+            <a:avLst/>
+          </a:prstGeom>
+        </p:spPr>
+      </p:pic>
+      <p:pic>
+        <p:nvPicPr>
+          <p:cNvPr id="30" name="Grafik 29">
+            <a:extLst>
+              <a:ext uri="{FF2B5EF4-FFF2-40B4-BE49-F238E27FC236}">
+                <a16:creationId xmlns:a16="http://schemas.microsoft.com/office/drawing/2014/main" id="{0CF82380-B09B-4169-839F-AAAED7561454}"/>
+              </a:ext>
+            </a:extLst>
+          </p:cNvPr>
+          <p:cNvPicPr>
+            <a:picLocks noChangeAspect="1"/>
+          </p:cNvPicPr>
+          <p:nvPr/>
+        </p:nvPicPr>
+        <p:blipFill>
+          <a:blip r:embed="rId4">
+            <a:extLst>
+              <a:ext uri="{96DAC541-7B7A-43D3-8B79-37D633B846F1}">
+                <asvg:svgBlip xmlns:asvg="http://schemas.microsoft.com/office/drawing/2016/SVG/main" r:embed="rId5"/>
+              </a:ext>
+            </a:extLst>
+          </a:blip>
+          <a:stretch>
+            <a:fillRect/>
+          </a:stretch>
+        </p:blipFill>
+        <p:spPr>
+          <a:xfrm>
+            <a:off x="8044877" y="4540500"/>
+            <a:ext cx="384344" cy="384344"/>
+          </a:xfrm>
+          <a:prstGeom prst="rect">
+            <a:avLst/>
+          </a:prstGeom>
+        </p:spPr>
+      </p:pic>
+      <p:pic>
+        <p:nvPicPr>
+          <p:cNvPr id="32" name="Grafik 31" descr="Lachendes Gesicht ohne Füllung">
+            <a:extLst>
+              <a:ext uri="{FF2B5EF4-FFF2-40B4-BE49-F238E27FC236}">
+                <a16:creationId xmlns:a16="http://schemas.microsoft.com/office/drawing/2014/main" id="{B385FB43-0EBB-41E2-BB76-0EB19555B5E9}"/>
+              </a:ext>
+            </a:extLst>
+          </p:cNvPr>
+          <p:cNvPicPr>
+            <a:picLocks noChangeAspect="1"/>
+          </p:cNvPicPr>
+          <p:nvPr/>
+        </p:nvPicPr>
+        <p:blipFill>
+          <a:blip r:embed="rId4">
+            <a:extLst>
+              <a:ext uri="{96DAC541-7B7A-43D3-8B79-37D633B846F1}">
+                <asvg:svgBlip xmlns:asvg="http://schemas.microsoft.com/office/drawing/2016/SVG/main" r:embed="rId5"/>
+              </a:ext>
+            </a:extLst>
+          </a:blip>
+          <a:stretch>
+            <a:fillRect/>
+          </a:stretch>
+        </p:blipFill>
+        <p:spPr>
+          <a:xfrm>
+            <a:off x="8044877" y="2701844"/>
+            <a:ext cx="384344" cy="384344"/>
+          </a:xfrm>
+          <a:prstGeom prst="rect">
+            <a:avLst/>
+          </a:prstGeom>
+        </p:spPr>
+      </p:pic>
+      <p:pic>
+        <p:nvPicPr>
+          <p:cNvPr id="33" name="Grafik 32" descr="Trauriges Gesicht ohne Füllung">
+            <a:extLst>
+              <a:ext uri="{FF2B5EF4-FFF2-40B4-BE49-F238E27FC236}">
+                <a16:creationId xmlns:a16="http://schemas.microsoft.com/office/drawing/2014/main" id="{C44E796C-2F1E-4895-BFD0-03797EA51D3D}"/>
+              </a:ext>
+            </a:extLst>
+          </p:cNvPr>
+          <p:cNvPicPr>
+            <a:picLocks noChangeAspect="1"/>
+          </p:cNvPicPr>
+          <p:nvPr/>
+        </p:nvPicPr>
+        <p:blipFill>
+          <a:blip r:embed="rId6">
+            <a:extLst>
+              <a:ext uri="{96DAC541-7B7A-43D3-8B79-37D633B846F1}">
+                <asvg:svgBlip xmlns:asvg="http://schemas.microsoft.com/office/drawing/2016/SVG/main" r:embed="rId7"/>
+              </a:ext>
+            </a:extLst>
+          </a:blip>
+          <a:stretch>
+            <a:fillRect/>
+          </a:stretch>
+        </p:blipFill>
+        <p:spPr>
+          <a:xfrm>
+            <a:off x="8044877" y="3074721"/>
+            <a:ext cx="384344" cy="384344"/>
+          </a:xfrm>
+          <a:prstGeom prst="rect">
+            <a:avLst/>
+          </a:prstGeom>
+        </p:spPr>
+      </p:pic>
+      <p:pic>
+        <p:nvPicPr>
+          <p:cNvPr id="34" name="Grafik 33" descr="Neutrales Gesicht ohne Füllung">
+            <a:extLst>
+              <a:ext uri="{FF2B5EF4-FFF2-40B4-BE49-F238E27FC236}">
+                <a16:creationId xmlns:a16="http://schemas.microsoft.com/office/drawing/2014/main" id="{A1349FE7-630D-49B6-9660-05240033D4BE}"/>
+              </a:ext>
+            </a:extLst>
+          </p:cNvPr>
+          <p:cNvPicPr>
+            <a:picLocks noChangeAspect="1"/>
+          </p:cNvPicPr>
+          <p:nvPr/>
+        </p:nvPicPr>
+        <p:blipFill>
+          <a:blip r:embed="rId8">
+            <a:extLst>
+              <a:ext uri="{96DAC541-7B7A-43D3-8B79-37D633B846F1}">
+                <asvg:svgBlip xmlns:asvg="http://schemas.microsoft.com/office/drawing/2016/SVG/main" r:embed="rId9"/>
+              </a:ext>
+            </a:extLst>
+          </a:blip>
+          <a:stretch>
+            <a:fillRect/>
+          </a:stretch>
+        </p:blipFill>
+        <p:spPr>
+          <a:xfrm>
+            <a:off x="8044877" y="3429000"/>
+            <a:ext cx="384344" cy="384344"/>
+          </a:xfrm>
+          <a:prstGeom prst="rect">
+            <a:avLst/>
+          </a:prstGeom>
+        </p:spPr>
+      </p:pic>
+      <p:pic>
+        <p:nvPicPr>
+          <p:cNvPr id="35" name="Grafik 34" descr="Neutrales Gesicht ohne Füllung">
+            <a:extLst>
+              <a:ext uri="{FF2B5EF4-FFF2-40B4-BE49-F238E27FC236}">
+                <a16:creationId xmlns:a16="http://schemas.microsoft.com/office/drawing/2014/main" id="{8DA618B7-CC0A-4243-B05C-A054E5850F8D}"/>
+              </a:ext>
+            </a:extLst>
+          </p:cNvPr>
+          <p:cNvPicPr>
+            <a:picLocks noChangeAspect="1"/>
+          </p:cNvPicPr>
+          <p:nvPr/>
+        </p:nvPicPr>
+        <p:blipFill>
+          <a:blip r:embed="rId8">
+            <a:extLst>
+              <a:ext uri="{96DAC541-7B7A-43D3-8B79-37D633B846F1}">
+                <asvg:svgBlip xmlns:asvg="http://schemas.microsoft.com/office/drawing/2016/SVG/main" r:embed="rId9"/>
+              </a:ext>
+            </a:extLst>
+          </a:blip>
+          <a:stretch>
+            <a:fillRect/>
+          </a:stretch>
+        </p:blipFill>
+        <p:spPr>
+          <a:xfrm>
+            <a:off x="8044877" y="3806777"/>
+            <a:ext cx="384344" cy="384344"/>
+          </a:xfrm>
+          <a:prstGeom prst="rect">
+            <a:avLst/>
+          </a:prstGeom>
+        </p:spPr>
+      </p:pic>
+      <p:pic>
+        <p:nvPicPr>
+          <p:cNvPr id="36" name="Grafik 35" descr="Trauriges Gesicht ohne Füllung">
+            <a:extLst>
+              <a:ext uri="{FF2B5EF4-FFF2-40B4-BE49-F238E27FC236}">
+                <a16:creationId xmlns:a16="http://schemas.microsoft.com/office/drawing/2014/main" id="{35A0B14D-54F7-4D8A-B723-52D7775A4ECF}"/>
+              </a:ext>
+            </a:extLst>
+          </p:cNvPr>
+          <p:cNvPicPr>
+            <a:picLocks noChangeAspect="1"/>
+          </p:cNvPicPr>
+          <p:nvPr/>
+        </p:nvPicPr>
+        <p:blipFill>
+          <a:blip r:embed="rId6">
+            <a:extLst>
+              <a:ext uri="{96DAC541-7B7A-43D3-8B79-37D633B846F1}">
+                <asvg:svgBlip xmlns:asvg="http://schemas.microsoft.com/office/drawing/2016/SVG/main" r:embed="rId7"/>
+              </a:ext>
+            </a:extLst>
+          </a:blip>
+          <a:stretch>
+            <a:fillRect/>
+          </a:stretch>
+        </p:blipFill>
+        <p:spPr>
+          <a:xfrm>
+            <a:off x="8044877" y="4156156"/>
+            <a:ext cx="384344" cy="384344"/>
+          </a:xfrm>
+          <a:prstGeom prst="rect">
+            <a:avLst/>
+          </a:prstGeom>
+        </p:spPr>
+      </p:pic>
+      <p:sp>
+        <p:nvSpPr>
+          <p:cNvPr id="38" name="Titel 37">
+            <a:extLst>
+              <a:ext uri="{FF2B5EF4-FFF2-40B4-BE49-F238E27FC236}">
+                <a16:creationId xmlns:a16="http://schemas.microsoft.com/office/drawing/2014/main" id="{457BAE17-340F-4C07-8B97-3AF50981FE3E}"/>
+              </a:ext>
+            </a:extLst>
+          </p:cNvPr>
+          <p:cNvSpPr>
+            <a:spLocks noGrp="1"/>
+          </p:cNvSpPr>
+          <p:nvPr>
+            <p:ph type="ctrTitle"/>
+          </p:nvPr>
+        </p:nvSpPr>
+        <p:spPr/>
+        <p:txBody>
+          <a:bodyPr/>
+          <a:lstStyle/>
+          <a:p>
+            <a:r>
+              <a:rPr lang="de-CH" dirty="0"/>
+              <a:t>Implementierte Features</a:t>
+            </a:r>
+          </a:p>
+        </p:txBody>
+      </p:sp>
+    </p:spTree>
+    <p:extLst>
+      <p:ext uri="{BB962C8B-B14F-4D97-AF65-F5344CB8AC3E}">
+        <p14:creationId xmlns:p14="http://schemas.microsoft.com/office/powerpoint/2010/main" val="2202846590"/>
+      </p:ext>
+    </p:extLst>
+  </p:cSld>
+  <p:clrMapOvr>
+    <a:masterClrMapping/>
+  </p:clrMapOvr>
+</p:sld>
+</file>
+
+<file path=ppt/slides/slide7.xml><?xml version="1.0" encoding="utf-8"?>
+<p:sld xmlns:a="http://schemas.openxmlformats.org/drawingml/2006/main" xmlns:r="http://schemas.openxmlformats.org/officeDocument/2006/relationships" xmlns:p="http://schemas.openxmlformats.org/presentationml/2006/main">
+  <p:cSld>
+    <p:spTree>
+      <p:nvGrpSpPr>
+        <p:cNvPr id="1" name=""/>
+        <p:cNvGrpSpPr/>
+        <p:nvPr/>
+      </p:nvGrpSpPr>
+      <p:grpSpPr>
+        <a:xfrm>
+          <a:off x="0" y="0"/>
+          <a:ext cx="0" cy="0"/>
+          <a:chOff x="0" y="0"/>
+          <a:chExt cx="0" cy="0"/>
+        </a:xfrm>
+      </p:grpSpPr>
       <p:sp>
         <p:nvSpPr>
           <p:cNvPr id="3" name="Titel 2">
@@ -8445,7 +9292,7 @@
 </p:sld>
 </file>
 
-<file path=ppt/slides/slide7.xml><?xml version="1.0" encoding="utf-8"?>
+<file path=ppt/slides/slide8.xml><?xml version="1.0" encoding="utf-8"?>
 <p:sld xmlns:a="http://schemas.openxmlformats.org/drawingml/2006/main" xmlns:r="http://schemas.openxmlformats.org/officeDocument/2006/relationships" xmlns:p="http://schemas.openxmlformats.org/presentationml/2006/main">
   <p:cSld>
     <p:spTree>
@@ -8589,7 +9436,7 @@
 </p:sld>
 </file>
 
-<file path=ppt/slides/slide8.xml><?xml version="1.0" encoding="utf-8"?>
+<file path=ppt/slides/slide9.xml><?xml version="1.0" encoding="utf-8"?>
 <p:sld xmlns:a="http://schemas.openxmlformats.org/drawingml/2006/main" xmlns:r="http://schemas.openxmlformats.org/officeDocument/2006/relationships" xmlns:p="http://schemas.openxmlformats.org/presentationml/2006/main">
   <p:cSld>
     <p:spTree>
@@ -8709,95 +9556,6 @@
     <p:extLst>
       <p:ext uri="{BB962C8B-B14F-4D97-AF65-F5344CB8AC3E}">
         <p14:creationId xmlns:p14="http://schemas.microsoft.com/office/powerpoint/2010/main" val="886910423"/>
-      </p:ext>
-    </p:extLst>
-  </p:cSld>
-  <p:clrMapOvr>
-    <a:masterClrMapping/>
-  </p:clrMapOvr>
-</p:sld>
-</file>
-
-<file path=ppt/slides/slide9.xml><?xml version="1.0" encoding="utf-8"?>
-<p:sld xmlns:a="http://schemas.openxmlformats.org/drawingml/2006/main" xmlns:r="http://schemas.openxmlformats.org/officeDocument/2006/relationships" xmlns:p="http://schemas.openxmlformats.org/presentationml/2006/main">
-  <p:cSld>
-    <p:spTree>
-      <p:nvGrpSpPr>
-        <p:cNvPr id="1" name=""/>
-        <p:cNvGrpSpPr/>
-        <p:nvPr/>
-      </p:nvGrpSpPr>
-      <p:grpSpPr>
-        <a:xfrm>
-          <a:off x="0" y="0"/>
-          <a:ext cx="0" cy="0"/>
-          <a:chOff x="0" y="0"/>
-          <a:chExt cx="0" cy="0"/>
-        </a:xfrm>
-      </p:grpSpPr>
-      <p:sp>
-        <p:nvSpPr>
-          <p:cNvPr id="2" name="Inhaltsplatzhalter 1">
-            <a:extLst>
-              <a:ext uri="{FF2B5EF4-FFF2-40B4-BE49-F238E27FC236}">
-                <a16:creationId xmlns:a16="http://schemas.microsoft.com/office/drawing/2014/main" id="{19572D01-E7C4-4B81-9FCD-595177684BEA}"/>
-              </a:ext>
-            </a:extLst>
-          </p:cNvPr>
-          <p:cNvSpPr>
-            <a:spLocks noGrp="1"/>
-          </p:cNvSpPr>
-          <p:nvPr>
-            <p:ph sz="half" idx="1"/>
-          </p:nvPr>
-        </p:nvSpPr>
-        <p:spPr/>
-        <p:txBody>
-          <a:bodyPr/>
-          <a:lstStyle/>
-          <a:p>
-            <a:r>
-              <a:rPr lang="de-CH" dirty="0"/>
-              <a:t>Titelbild: https://image.jimcdn.com/app/cms/image/transf/dimension=697x10000:format=jpg/path/sd47613ceb1db53f4/image/ib674891e8fb5286a/version/1515513892/patientenzimmer-untersuchungszimmer-praxis-hausarzt-friedeck-rothenburg.jpg</a:t>
-            </a:r>
-          </a:p>
-          <a:p>
-            <a:endParaRPr lang="de-CH" dirty="0"/>
-          </a:p>
-        </p:txBody>
-      </p:sp>
-      <p:sp>
-        <p:nvSpPr>
-          <p:cNvPr id="3" name="Titel 2">
-            <a:extLst>
-              <a:ext uri="{FF2B5EF4-FFF2-40B4-BE49-F238E27FC236}">
-                <a16:creationId xmlns:a16="http://schemas.microsoft.com/office/drawing/2014/main" id="{93DE674A-067F-4DB4-9443-098DF8E86245}"/>
-              </a:ext>
-            </a:extLst>
-          </p:cNvPr>
-          <p:cNvSpPr>
-            <a:spLocks noGrp="1"/>
-          </p:cNvSpPr>
-          <p:nvPr>
-            <p:ph type="ctrTitle"/>
-          </p:nvPr>
-        </p:nvSpPr>
-        <p:spPr/>
-        <p:txBody>
-          <a:bodyPr/>
-          <a:lstStyle/>
-          <a:p>
-            <a:r>
-              <a:rPr lang="de-CH" dirty="0"/>
-              <a:t>Bilderquellen</a:t>
-            </a:r>
-          </a:p>
-        </p:txBody>
-      </p:sp>
-    </p:spTree>
-    <p:extLst>
-      <p:ext uri="{BB962C8B-B14F-4D97-AF65-F5344CB8AC3E}">
-        <p14:creationId xmlns:p14="http://schemas.microsoft.com/office/powerpoint/2010/main" val="766762239"/>
       </p:ext>
     </p:extLst>
   </p:cSld>
@@ -9418,12 +10176,9 @@
 </file>
 
 <file path=customXml/item1.xml><?xml version="1.0" encoding="utf-8"?>
-<?mso-contentType ?>
-<FormTemplates xmlns="http://schemas.microsoft.com/sharepoint/v3/contenttype/forms">
-  <Display>DocumentLibraryForm</Display>
-  <Edit>DocumentLibraryForm</Edit>
-  <New>DocumentLibraryForm</New>
-</FormTemplates>
+<p:properties xmlns:p="http://schemas.microsoft.com/office/2006/metadata/properties" xmlns:xsi="http://www.w3.org/2001/XMLSchema-instance" xmlns:pc="http://schemas.microsoft.com/office/infopath/2007/PartnerControls">
+  <documentManagement/>
+</p:properties>
 </file>
 
 <file path=customXml/item2.xml><?xml version="1.0" encoding="utf-8"?>
@@ -9559,15 +10314,26 @@
 </file>
 
 <file path=customXml/item3.xml><?xml version="1.0" encoding="utf-8"?>
-<p:properties xmlns:p="http://schemas.microsoft.com/office/2006/metadata/properties" xmlns:xsi="http://www.w3.org/2001/XMLSchema-instance" xmlns:pc="http://schemas.microsoft.com/office/infopath/2007/PartnerControls">
-  <documentManagement/>
-</p:properties>
+<?mso-contentType ?>
+<FormTemplates xmlns="http://schemas.microsoft.com/sharepoint/v3/contenttype/forms">
+  <Display>DocumentLibraryForm</Display>
+  <Edit>DocumentLibraryForm</Edit>
+  <New>DocumentLibraryForm</New>
+</FormTemplates>
 </file>
 
 <file path=customXml/itemProps1.xml><?xml version="1.0" encoding="utf-8"?>
-<ds:datastoreItem xmlns:ds="http://schemas.openxmlformats.org/officeDocument/2006/customXml" ds:itemID="{7D2542CC-467A-4770-BDA7-ADCFF09F6DBF}">
+<ds:datastoreItem xmlns:ds="http://schemas.openxmlformats.org/officeDocument/2006/customXml" ds:itemID="{66985437-8812-4ABE-89CE-3E49C89E0BF6}">
   <ds:schemaRefs>
-    <ds:schemaRef ds:uri="http://schemas.microsoft.com/sharepoint/v3/contenttype/forms"/>
+    <ds:schemaRef ds:uri="de7f4a71-b510-446a-a776-c787f58d5553"/>
+    <ds:schemaRef ds:uri="http://schemas.openxmlformats.org/package/2006/metadata/core-properties"/>
+    <ds:schemaRef ds:uri="http://schemas.microsoft.com/office/2006/metadata/properties"/>
+    <ds:schemaRef ds:uri="http://purl.org/dc/terms/"/>
+    <ds:schemaRef ds:uri="http://purl.org/dc/dcmitype/"/>
+    <ds:schemaRef ds:uri="http://purl.org/dc/elements/1.1/"/>
+    <ds:schemaRef ds:uri="http://schemas.microsoft.com/office/infopath/2007/PartnerControls"/>
+    <ds:schemaRef ds:uri="http://schemas.microsoft.com/office/2006/documentManagement/types"/>
+    <ds:schemaRef ds:uri="http://www.w3.org/XML/1998/namespace"/>
   </ds:schemaRefs>
 </ds:datastoreItem>
 </file>
@@ -9591,17 +10357,9 @@
 </file>
 
 <file path=customXml/itemProps3.xml><?xml version="1.0" encoding="utf-8"?>
-<ds:datastoreItem xmlns:ds="http://schemas.openxmlformats.org/officeDocument/2006/customXml" ds:itemID="{66985437-8812-4ABE-89CE-3E49C89E0BF6}">
+<ds:datastoreItem xmlns:ds="http://schemas.openxmlformats.org/officeDocument/2006/customXml" ds:itemID="{7D2542CC-467A-4770-BDA7-ADCFF09F6DBF}">
   <ds:schemaRefs>
-    <ds:schemaRef ds:uri="de7f4a71-b510-446a-a776-c787f58d5553"/>
-    <ds:schemaRef ds:uri="http://schemas.openxmlformats.org/package/2006/metadata/core-properties"/>
-    <ds:schemaRef ds:uri="http://schemas.microsoft.com/office/2006/metadata/properties"/>
-    <ds:schemaRef ds:uri="http://purl.org/dc/terms/"/>
-    <ds:schemaRef ds:uri="http://purl.org/dc/dcmitype/"/>
-    <ds:schemaRef ds:uri="http://purl.org/dc/elements/1.1/"/>
-    <ds:schemaRef ds:uri="http://schemas.microsoft.com/office/infopath/2007/PartnerControls"/>
-    <ds:schemaRef ds:uri="http://schemas.microsoft.com/office/2006/documentManagement/types"/>
-    <ds:schemaRef ds:uri="http://www.w3.org/XML/1998/namespace"/>
+    <ds:schemaRef ds:uri="http://schemas.microsoft.com/sharepoint/v3/contenttype/forms"/>
   </ds:schemaRefs>
 </ds:datastoreItem>
 </file>
--- a/doc/task-07/Task07.pptx
+++ b/doc/task-07/Task07.pptx
@@ -5,7 +5,7 @@
     <p:sldMasterId id="2147483669" r:id="rId4"/>
   </p:sldMasterIdLst>
   <p:notesMasterIdLst>
-    <p:notesMasterId r:id="rId17"/>
+    <p:notesMasterId r:id="rId18"/>
   </p:notesMasterIdLst>
   <p:sldIdLst>
     <p:sldId id="256" r:id="rId5"/>
@@ -18,8 +18,9 @@
     <p:sldId id="299" r:id="rId12"/>
     <p:sldId id="295" r:id="rId13"/>
     <p:sldId id="296" r:id="rId14"/>
-    <p:sldId id="264" r:id="rId15"/>
-    <p:sldId id="265" r:id="rId16"/>
+    <p:sldId id="302" r:id="rId15"/>
+    <p:sldId id="264" r:id="rId16"/>
+    <p:sldId id="265" r:id="rId17"/>
   </p:sldIdLst>
   <p:sldSz cx="12207875" cy="6858000"/>
   <p:notesSz cx="6797675" cy="9872663"/>
@@ -258,7 +259,7 @@
               <a:pPr>
                 <a:defRPr/>
               </a:pPr>
-              <a:t>16.01.2020</a:t>
+              <a:t>16.01.20</a:t>
             </a:fld>
             <a:endParaRPr lang="de-CH"/>
           </a:p>
@@ -1175,7 +1176,7 @@
               <a:pPr>
                 <a:defRPr/>
               </a:pPr>
-              <a:t>11</a:t>
+              <a:t>12</a:t>
             </a:fld>
             <a:endParaRPr lang="de-CH"/>
           </a:p>
@@ -1817,7 +1818,7 @@
               <a:pPr>
                 <a:defRPr/>
               </a:pPr>
-              <a:t>16.01.2020</a:t>
+              <a:t>16.01.20</a:t>
             </a:fld>
             <a:r>
               <a:rPr lang="de-DE" sz="1000"/>
@@ -3255,7 +3256,7 @@
               <a:pPr>
                 <a:defRPr/>
               </a:pPr>
-              <a:t>16.01.2020</a:t>
+              <a:t>16.01.20</a:t>
             </a:fld>
             <a:r>
               <a:rPr lang="de-DE" sz="1000"/>
@@ -7506,37 +7507,6 @@
       </p:grpSpPr>
       <p:sp>
         <p:nvSpPr>
-          <p:cNvPr id="2" name="Inhaltsplatzhalter 1">
-            <a:extLst>
-              <a:ext uri="{FF2B5EF4-FFF2-40B4-BE49-F238E27FC236}">
-                <a16:creationId xmlns:a16="http://schemas.microsoft.com/office/drawing/2014/main" id="{19572D01-E7C4-4B81-9FCD-595177684BEA}"/>
-              </a:ext>
-            </a:extLst>
-          </p:cNvPr>
-          <p:cNvSpPr>
-            <a:spLocks noGrp="1"/>
-          </p:cNvSpPr>
-          <p:nvPr>
-            <p:ph sz="half" idx="1"/>
-          </p:nvPr>
-        </p:nvSpPr>
-        <p:spPr/>
-        <p:txBody>
-          <a:bodyPr/>
-          <a:lstStyle/>
-          <a:p>
-            <a:r>
-              <a:rPr lang="de-CH" dirty="0"/>
-              <a:t>Titelbild: https://image.jimcdn.com/app/cms/image/transf/dimension=697x10000:format=jpg/path/sd47613ceb1db53f4/image/ib674891e8fb5286a/version/1515513892/patientenzimmer-untersuchungszimmer-praxis-hausarzt-friedeck-rothenburg.jpg</a:t>
-            </a:r>
-          </a:p>
-          <a:p>
-            <a:endParaRPr lang="de-CH" dirty="0"/>
-          </a:p>
-        </p:txBody>
-      </p:sp>
-      <p:sp>
-        <p:nvSpPr>
           <p:cNvPr id="3" name="Titel 2">
             <a:extLst>
               <a:ext uri="{FF2B5EF4-FFF2-40B4-BE49-F238E27FC236}">
@@ -7558,8 +7528,180 @@
           <a:p>
             <a:r>
               <a:rPr lang="de-CH" dirty="0"/>
-              <a:t>Bilderquellen</a:t>
-            </a:r>
+              <a:t>Liste der persönlichen Beiträge der Teammitglieder</a:t>
+            </a:r>
+          </a:p>
+        </p:txBody>
+      </p:sp>
+      <p:sp>
+        <p:nvSpPr>
+          <p:cNvPr id="7" name="Inhaltsplatzhalter 1">
+            <a:extLst>
+              <a:ext uri="{FF2B5EF4-FFF2-40B4-BE49-F238E27FC236}">
+                <a16:creationId xmlns:a16="http://schemas.microsoft.com/office/drawing/2014/main" id="{7F6CCFB3-7C11-3749-90C6-AF35A6835ABA}"/>
+              </a:ext>
+            </a:extLst>
+          </p:cNvPr>
+          <p:cNvSpPr>
+            <a:spLocks noGrp="1"/>
+          </p:cNvSpPr>
+          <p:nvPr>
+            <p:ph sz="half" idx="1"/>
+          </p:nvPr>
+        </p:nvSpPr>
+        <p:spPr/>
+        <p:txBody>
+          <a:bodyPr/>
+          <a:lstStyle/>
+          <a:p>
+            <a:r>
+              <a:rPr lang="de-CH" sz="1600" b="1" dirty="0" err="1"/>
+              <a:t>Gaup</a:t>
+            </a:r>
+            <a:r>
+              <a:rPr lang="de-CH" sz="1600" b="1" dirty="0"/>
+              <a:t> David: </a:t>
+            </a:r>
+          </a:p>
+          <a:p>
+            <a:pPr lvl="1"/>
+            <a:r>
+              <a:rPr lang="de-CH" sz="1600" dirty="0"/>
+              <a:t>Testen(N), Datenbank-Logik(N), Diagnose-Klasse(H)</a:t>
+            </a:r>
+          </a:p>
+          <a:p>
+            <a:r>
+              <a:rPr lang="de-CH" sz="1600" b="1" dirty="0" err="1"/>
+              <a:t>Milketic</a:t>
+            </a:r>
+            <a:r>
+              <a:rPr lang="de-CH" sz="1600" b="1" dirty="0"/>
+              <a:t> Marko: </a:t>
+            </a:r>
+          </a:p>
+          <a:p>
+            <a:pPr lvl="1"/>
+            <a:r>
+              <a:rPr lang="de-CH" sz="1600" dirty="0"/>
+              <a:t>Report(H), Medikation(H), MVP-Umsetzung(H), Diagnose-Klasse(N)</a:t>
+            </a:r>
+          </a:p>
+          <a:p>
+            <a:r>
+              <a:rPr lang="de-CH" sz="1600" b="1" dirty="0" err="1"/>
+              <a:t>Selvasingham</a:t>
+            </a:r>
+            <a:r>
+              <a:rPr lang="de-CH" sz="1600" b="1" dirty="0"/>
+              <a:t> </a:t>
+            </a:r>
+            <a:r>
+              <a:rPr lang="de-CH" sz="1600" b="1" dirty="0" err="1"/>
+              <a:t>Sugeelan</a:t>
+            </a:r>
+            <a:r>
+              <a:rPr lang="de-CH" sz="1600" b="1" dirty="0"/>
+              <a:t>: </a:t>
+            </a:r>
+          </a:p>
+          <a:p>
+            <a:pPr lvl="1"/>
+            <a:r>
+              <a:rPr lang="de-CH" sz="1600" dirty="0" err="1"/>
+              <a:t>Scrum</a:t>
+            </a:r>
+            <a:r>
+              <a:rPr lang="de-CH" sz="1600" dirty="0"/>
+              <a:t>(H), Datenbank-Logik(H), Login(H),MVP-Umsetzung(N), Home-Ansicht und Navigation(N), </a:t>
+            </a:r>
+          </a:p>
+          <a:p>
+            <a:r>
+              <a:rPr lang="de-CH" sz="1600" b="1" dirty="0" err="1"/>
+              <a:t>Velkov</a:t>
+            </a:r>
+            <a:r>
+              <a:rPr lang="de-CH" sz="1600" b="1" dirty="0"/>
+              <a:t> Viktor: </a:t>
+            </a:r>
+          </a:p>
+          <a:p>
+            <a:pPr lvl="1"/>
+            <a:r>
+              <a:rPr lang="de-CH" sz="1600" dirty="0"/>
+              <a:t>Testen(H), </a:t>
+            </a:r>
+            <a:r>
+              <a:rPr lang="de-CH" sz="1600" dirty="0" err="1"/>
+              <a:t>Mediplan</a:t>
+            </a:r>
+            <a:r>
+              <a:rPr lang="de-CH" sz="1600" dirty="0"/>
+              <a:t>(N), Diagnose-Klasse(N)</a:t>
+            </a:r>
+          </a:p>
+          <a:p>
+            <a:r>
+              <a:rPr lang="de-CH" sz="1600" b="1" dirty="0"/>
+              <a:t>Sellathurai </a:t>
+            </a:r>
+            <a:r>
+              <a:rPr lang="de-CH" sz="1600" b="1" dirty="0" err="1"/>
+              <a:t>Janahan</a:t>
+            </a:r>
+            <a:r>
+              <a:rPr lang="de-CH" sz="1600" b="1" dirty="0"/>
+              <a:t>: </a:t>
+            </a:r>
+          </a:p>
+          <a:p>
+            <a:pPr lvl="1"/>
+            <a:r>
+              <a:rPr lang="de-CH" sz="1600" dirty="0"/>
+              <a:t>Patient Stammdaten anzeigen (H), </a:t>
+            </a:r>
+            <a:r>
+              <a:rPr lang="de-CH" sz="1600" dirty="0" err="1"/>
+              <a:t>Scrum</a:t>
+            </a:r>
+            <a:r>
+              <a:rPr lang="de-CH" sz="1600" dirty="0"/>
+              <a:t>(N), Datenbank-Logik(N), Login(N)</a:t>
+            </a:r>
+          </a:p>
+          <a:p>
+            <a:r>
+              <a:rPr lang="de-CH" sz="1600" b="1" dirty="0"/>
+              <a:t>Nippel Alain: </a:t>
+            </a:r>
+          </a:p>
+          <a:p>
+            <a:pPr lvl="1"/>
+            <a:r>
+              <a:rPr lang="de-CH" sz="1600" dirty="0"/>
+              <a:t>Home-Ansicht und Navigation(H), MVP-umsetzung(H), Patient Stammdaten anzeigen (N), Report(N), Medikation(N)</a:t>
+            </a:r>
+            <a:br>
+              <a:rPr lang="de-CH" sz="1600" dirty="0"/>
+            </a:br>
+            <a:br>
+              <a:rPr lang="de-CH" sz="1600" dirty="0"/>
+            </a:br>
+            <a:endParaRPr lang="de-CH" sz="1600" dirty="0"/>
+          </a:p>
+          <a:p>
+            <a:pPr marL="0" indent="0">
+              <a:buNone/>
+            </a:pPr>
+            <a:r>
+              <a:rPr lang="de-CH" sz="1400" dirty="0"/>
+              <a:t>H = Hauptverantwortlich/Hauptentwickler 	N = Nebenverantwortlicher/Mitentwickler</a:t>
+            </a:r>
+            <a:br>
+              <a:rPr lang="de-CH" dirty="0"/>
+            </a:br>
+            <a:endParaRPr lang="de-CH" sz="1400" b="1" dirty="0"/>
           </a:p>
         </p:txBody>
       </p:sp>
@@ -7577,6 +7719,95 @@
 </file>
 
 <file path=ppt/slides/slide11.xml><?xml version="1.0" encoding="utf-8"?>
+<p:sld xmlns:a="http://schemas.openxmlformats.org/drawingml/2006/main" xmlns:r="http://schemas.openxmlformats.org/officeDocument/2006/relationships" xmlns:p="http://schemas.openxmlformats.org/presentationml/2006/main">
+  <p:cSld>
+    <p:spTree>
+      <p:nvGrpSpPr>
+        <p:cNvPr id="1" name=""/>
+        <p:cNvGrpSpPr/>
+        <p:nvPr/>
+      </p:nvGrpSpPr>
+      <p:grpSpPr>
+        <a:xfrm>
+          <a:off x="0" y="0"/>
+          <a:ext cx="0" cy="0"/>
+          <a:chOff x="0" y="0"/>
+          <a:chExt cx="0" cy="0"/>
+        </a:xfrm>
+      </p:grpSpPr>
+      <p:sp>
+        <p:nvSpPr>
+          <p:cNvPr id="2" name="Inhaltsplatzhalter 1">
+            <a:extLst>
+              <a:ext uri="{FF2B5EF4-FFF2-40B4-BE49-F238E27FC236}">
+                <a16:creationId xmlns:a16="http://schemas.microsoft.com/office/drawing/2014/main" id="{19572D01-E7C4-4B81-9FCD-595177684BEA}"/>
+              </a:ext>
+            </a:extLst>
+          </p:cNvPr>
+          <p:cNvSpPr>
+            <a:spLocks noGrp="1"/>
+          </p:cNvSpPr>
+          <p:nvPr>
+            <p:ph sz="half" idx="1"/>
+          </p:nvPr>
+        </p:nvSpPr>
+        <p:spPr/>
+        <p:txBody>
+          <a:bodyPr/>
+          <a:lstStyle/>
+          <a:p>
+            <a:r>
+              <a:rPr lang="de-CH" dirty="0"/>
+              <a:t>Titelbild: https://image.jimcdn.com/app/cms/image/transf/dimension=697x10000:format=jpg/path/sd47613ceb1db53f4/image/ib674891e8fb5286a/version/1515513892/patientenzimmer-untersuchungszimmer-praxis-hausarzt-friedeck-rothenburg.jpg</a:t>
+            </a:r>
+          </a:p>
+          <a:p>
+            <a:endParaRPr lang="de-CH" dirty="0"/>
+          </a:p>
+        </p:txBody>
+      </p:sp>
+      <p:sp>
+        <p:nvSpPr>
+          <p:cNvPr id="3" name="Titel 2">
+            <a:extLst>
+              <a:ext uri="{FF2B5EF4-FFF2-40B4-BE49-F238E27FC236}">
+                <a16:creationId xmlns:a16="http://schemas.microsoft.com/office/drawing/2014/main" id="{93DE674A-067F-4DB4-9443-098DF8E86245}"/>
+              </a:ext>
+            </a:extLst>
+          </p:cNvPr>
+          <p:cNvSpPr>
+            <a:spLocks noGrp="1"/>
+          </p:cNvSpPr>
+          <p:nvPr>
+            <p:ph type="ctrTitle"/>
+          </p:nvPr>
+        </p:nvSpPr>
+        <p:spPr/>
+        <p:txBody>
+          <a:bodyPr/>
+          <a:lstStyle/>
+          <a:p>
+            <a:r>
+              <a:rPr lang="de-CH" dirty="0"/>
+              <a:t>Bilderquellen</a:t>
+            </a:r>
+          </a:p>
+        </p:txBody>
+      </p:sp>
+    </p:spTree>
+    <p:extLst>
+      <p:ext uri="{BB962C8B-B14F-4D97-AF65-F5344CB8AC3E}">
+        <p14:creationId xmlns:p14="http://schemas.microsoft.com/office/powerpoint/2010/main" val="640674437"/>
+      </p:ext>
+    </p:extLst>
+  </p:cSld>
+  <p:clrMapOvr>
+    <a:masterClrMapping/>
+  </p:clrMapOvr>
+</p:sld>
+</file>
+
+<file path=ppt/slides/slide12.xml><?xml version="1.0" encoding="utf-8"?>
 <p:sld xmlns:a="http://schemas.openxmlformats.org/drawingml/2006/main" xmlns:r="http://schemas.openxmlformats.org/officeDocument/2006/relationships" xmlns:p="http://schemas.openxmlformats.org/presentationml/2006/main">
   <p:cSld>
     <p:spTree>
@@ -7671,7 +7902,7 @@
 </p:sld>
 </file>
 
-<file path=ppt/slides/slide12.xml><?xml version="1.0" encoding="utf-8"?>
+<file path=ppt/slides/slide13.xml><?xml version="1.0" encoding="utf-8"?>
 <p:sld xmlns:a="http://schemas.openxmlformats.org/drawingml/2006/main" xmlns:r="http://schemas.openxmlformats.org/officeDocument/2006/relationships" xmlns:p="http://schemas.openxmlformats.org/presentationml/2006/main">
   <p:cSld>
     <p:spTree>
@@ -10176,9 +10407,12 @@
 </file>
 
 <file path=customXml/item1.xml><?xml version="1.0" encoding="utf-8"?>
-<p:properties xmlns:p="http://schemas.microsoft.com/office/2006/metadata/properties" xmlns:xsi="http://www.w3.org/2001/XMLSchema-instance" xmlns:pc="http://schemas.microsoft.com/office/infopath/2007/PartnerControls">
-  <documentManagement/>
-</p:properties>
+<?mso-contentType ?>
+<FormTemplates xmlns="http://schemas.microsoft.com/sharepoint/v3/contenttype/forms">
+  <Display>DocumentLibraryForm</Display>
+  <Edit>DocumentLibraryForm</Edit>
+  <New>DocumentLibraryForm</New>
+</FormTemplates>
 </file>
 
 <file path=customXml/item2.xml><?xml version="1.0" encoding="utf-8"?>
@@ -10314,26 +10548,15 @@
 </file>
 
 <file path=customXml/item3.xml><?xml version="1.0" encoding="utf-8"?>
-<?mso-contentType ?>
-<FormTemplates xmlns="http://schemas.microsoft.com/sharepoint/v3/contenttype/forms">
-  <Display>DocumentLibraryForm</Display>
-  <Edit>DocumentLibraryForm</Edit>
-  <New>DocumentLibraryForm</New>
-</FormTemplates>
+<p:properties xmlns:p="http://schemas.microsoft.com/office/2006/metadata/properties" xmlns:xsi="http://www.w3.org/2001/XMLSchema-instance" xmlns:pc="http://schemas.microsoft.com/office/infopath/2007/PartnerControls">
+  <documentManagement/>
+</p:properties>
 </file>
 
 <file path=customXml/itemProps1.xml><?xml version="1.0" encoding="utf-8"?>
-<ds:datastoreItem xmlns:ds="http://schemas.openxmlformats.org/officeDocument/2006/customXml" ds:itemID="{66985437-8812-4ABE-89CE-3E49C89E0BF6}">
+<ds:datastoreItem xmlns:ds="http://schemas.openxmlformats.org/officeDocument/2006/customXml" ds:itemID="{7D2542CC-467A-4770-BDA7-ADCFF09F6DBF}">
   <ds:schemaRefs>
-    <ds:schemaRef ds:uri="de7f4a71-b510-446a-a776-c787f58d5553"/>
-    <ds:schemaRef ds:uri="http://schemas.openxmlformats.org/package/2006/metadata/core-properties"/>
-    <ds:schemaRef ds:uri="http://schemas.microsoft.com/office/2006/metadata/properties"/>
-    <ds:schemaRef ds:uri="http://purl.org/dc/terms/"/>
-    <ds:schemaRef ds:uri="http://purl.org/dc/dcmitype/"/>
-    <ds:schemaRef ds:uri="http://purl.org/dc/elements/1.1/"/>
-    <ds:schemaRef ds:uri="http://schemas.microsoft.com/office/infopath/2007/PartnerControls"/>
-    <ds:schemaRef ds:uri="http://schemas.microsoft.com/office/2006/documentManagement/types"/>
-    <ds:schemaRef ds:uri="http://www.w3.org/XML/1998/namespace"/>
+    <ds:schemaRef ds:uri="http://schemas.microsoft.com/sharepoint/v3/contenttype/forms"/>
   </ds:schemaRefs>
 </ds:datastoreItem>
 </file>
@@ -10357,9 +10580,17 @@
 </file>
 
 <file path=customXml/itemProps3.xml><?xml version="1.0" encoding="utf-8"?>
-<ds:datastoreItem xmlns:ds="http://schemas.openxmlformats.org/officeDocument/2006/customXml" ds:itemID="{7D2542CC-467A-4770-BDA7-ADCFF09F6DBF}">
+<ds:datastoreItem xmlns:ds="http://schemas.openxmlformats.org/officeDocument/2006/customXml" ds:itemID="{66985437-8812-4ABE-89CE-3E49C89E0BF6}">
   <ds:schemaRefs>
-    <ds:schemaRef ds:uri="http://schemas.microsoft.com/sharepoint/v3/contenttype/forms"/>
+    <ds:schemaRef ds:uri="de7f4a71-b510-446a-a776-c787f58d5553"/>
+    <ds:schemaRef ds:uri="http://schemas.openxmlformats.org/package/2006/metadata/core-properties"/>
+    <ds:schemaRef ds:uri="http://schemas.microsoft.com/office/2006/metadata/properties"/>
+    <ds:schemaRef ds:uri="http://purl.org/dc/terms/"/>
+    <ds:schemaRef ds:uri="http://purl.org/dc/dcmitype/"/>
+    <ds:schemaRef ds:uri="http://purl.org/dc/elements/1.1/"/>
+    <ds:schemaRef ds:uri="http://schemas.microsoft.com/office/infopath/2007/PartnerControls"/>
+    <ds:schemaRef ds:uri="http://schemas.microsoft.com/office/2006/documentManagement/types"/>
+    <ds:schemaRef ds:uri="http://www.w3.org/XML/1998/namespace"/>
   </ds:schemaRefs>
 </ds:datastoreItem>
 </file>
--- a/doc/task-07/Task07.pptx
+++ b/doc/task-07/Task07.pptx
@@ -5,22 +5,23 @@
     <p:sldMasterId id="2147483669" r:id="rId4"/>
   </p:sldMasterIdLst>
   <p:notesMasterIdLst>
-    <p:notesMasterId r:id="rId18"/>
+    <p:notesMasterId r:id="rId19"/>
   </p:notesMasterIdLst>
   <p:sldIdLst>
     <p:sldId id="256" r:id="rId5"/>
     <p:sldId id="258" r:id="rId6"/>
     <p:sldId id="260" r:id="rId7"/>
-    <p:sldId id="259" r:id="rId8"/>
-    <p:sldId id="298" r:id="rId9"/>
-    <p:sldId id="301" r:id="rId10"/>
-    <p:sldId id="300" r:id="rId11"/>
-    <p:sldId id="299" r:id="rId12"/>
-    <p:sldId id="295" r:id="rId13"/>
+    <p:sldId id="301" r:id="rId8"/>
+    <p:sldId id="300" r:id="rId9"/>
+    <p:sldId id="299" r:id="rId10"/>
+    <p:sldId id="295" r:id="rId11"/>
+    <p:sldId id="302" r:id="rId12"/>
+    <p:sldId id="305" r:id="rId13"/>
     <p:sldId id="296" r:id="rId14"/>
-    <p:sldId id="302" r:id="rId15"/>
-    <p:sldId id="264" r:id="rId16"/>
-    <p:sldId id="265" r:id="rId17"/>
+    <p:sldId id="264" r:id="rId15"/>
+    <p:sldId id="265" r:id="rId16"/>
+    <p:sldId id="303" r:id="rId17"/>
+    <p:sldId id="304" r:id="rId18"/>
   </p:sldIdLst>
   <p:sldSz cx="12207875" cy="6858000"/>
   <p:notesSz cx="6797675" cy="9872663"/>
@@ -818,52 +819,6 @@
           <a:bodyPr/>
           <a:lstStyle/>
           <a:p>
-            <a:r>
-              <a:rPr lang="de-DE" sz="1200" b="0" i="0" u="none" strike="noStrike" kern="1200" baseline="0" dirty="0">
-                <a:solidFill>
-                  <a:schemeClr val="tx1"/>
-                </a:solidFill>
-                <a:latin typeface="+mn-lt"/>
-                <a:ea typeface="+mn-ea"/>
-                <a:cs typeface="+mn-cs"/>
-              </a:rPr>
-              <a:t>Im Rahmen der Case Study 2, beziehungsweise der Aufgabe 1 «Design </a:t>
-            </a:r>
-            <a:r>
-              <a:rPr lang="de-DE" sz="1200" b="0" i="0" u="none" strike="noStrike" kern="1200" baseline="0" dirty="0" err="1">
-                <a:solidFill>
-                  <a:schemeClr val="tx1"/>
-                </a:solidFill>
-                <a:latin typeface="+mn-lt"/>
-                <a:ea typeface="+mn-ea"/>
-                <a:cs typeface="+mn-cs"/>
-              </a:rPr>
-              <a:t>Thinking</a:t>
-            </a:r>
-            <a:r>
-              <a:rPr lang="de-DE" sz="1200" b="0" i="0" u="none" strike="noStrike" kern="1200" baseline="0" dirty="0">
-                <a:solidFill>
-                  <a:schemeClr val="tx1"/>
-                </a:solidFill>
-                <a:latin typeface="+mn-lt"/>
-                <a:ea typeface="+mn-ea"/>
-                <a:cs typeface="+mn-cs"/>
-              </a:rPr>
-              <a:t>» im Modul BTX8081 - Software Engineering and Design entwerfen wir eine Web-Applikation zum Thema Patienten-Management-System. Das Ziel ist eine Webapplikation, die den Arzt bei der Behandlung von Patienten mit Suchterkrankungen unterstützt, dies aus dem Blickwinkel des Arztes. Die Ausgangslage ist im Anhang gekürzt und strukturiert ersichtlich. </a:t>
-            </a:r>
-          </a:p>
-          <a:p>
-            <a:r>
-              <a:rPr lang="de-DE" sz="1200" b="0" i="0" u="none" strike="noStrike" kern="1200" baseline="0" dirty="0">
-                <a:solidFill>
-                  <a:schemeClr val="tx1"/>
-                </a:solidFill>
-                <a:latin typeface="+mn-lt"/>
-                <a:ea typeface="+mn-ea"/>
-                <a:cs typeface="+mn-cs"/>
-              </a:rPr>
-              <a:t>Übergeordnete Ziele sind die Behandlung der Patienten zu erleichtern indem Informationen rechtzeitig dem Arzt zur Verfügung gestellt werden, sowie die Unterstützung von Patienten und deren Angehörigen bei der Bewältigung der Erkrankung. </a:t>
-            </a:r>
             <a:endParaRPr lang="de-CH" dirty="0"/>
           </a:p>
         </p:txBody>
@@ -891,7 +846,7 @@
               <a:pPr>
                 <a:defRPr/>
               </a:pPr>
-              <a:t>4</a:t>
+              <a:t>5</a:t>
             </a:fld>
             <a:endParaRPr lang="de-CH"/>
           </a:p>
@@ -900,7 +855,7 @@
     </p:spTree>
     <p:extLst>
       <p:ext uri="{BB962C8B-B14F-4D97-AF65-F5344CB8AC3E}">
-        <p14:creationId xmlns:p14="http://schemas.microsoft.com/office/powerpoint/2010/main" val="1824871755"/>
+        <p14:creationId xmlns:p14="http://schemas.microsoft.com/office/powerpoint/2010/main" val="1802605468"/>
       </p:ext>
     </p:extLst>
   </p:cSld>
@@ -954,7 +909,7 @@
           <a:bodyPr/>
           <a:lstStyle/>
           <a:p>
-            <a:endParaRPr lang="de-CH" dirty="0"/>
+            <a:endParaRPr lang="de-DE" dirty="0"/>
           </a:p>
         </p:txBody>
       </p:sp>
@@ -981,7 +936,7 @@
               <a:pPr>
                 <a:defRPr/>
               </a:pPr>
-              <a:t>5</a:t>
+              <a:t>9</a:t>
             </a:fld>
             <a:endParaRPr lang="de-CH"/>
           </a:p>
@@ -990,7 +945,7 @@
     </p:spTree>
     <p:extLst>
       <p:ext uri="{BB962C8B-B14F-4D97-AF65-F5344CB8AC3E}">
-        <p14:creationId xmlns:p14="http://schemas.microsoft.com/office/powerpoint/2010/main" val="305639529"/>
+        <p14:creationId xmlns:p14="http://schemas.microsoft.com/office/powerpoint/2010/main" val="3597307110"/>
       </p:ext>
     </p:extLst>
   </p:cSld>
@@ -1044,7 +999,22 @@
           <a:bodyPr/>
           <a:lstStyle/>
           <a:p>
-            <a:endParaRPr lang="de-CH" dirty="0"/>
+            <a:r>
+              <a:rPr lang="de-CH" dirty="0" err="1"/>
+              <a:t>Product</a:t>
+            </a:r>
+            <a:r>
+              <a:rPr lang="de-CH" dirty="0"/>
+              <a:t> </a:t>
+            </a:r>
+            <a:r>
+              <a:rPr lang="de-CH" dirty="0" err="1"/>
+              <a:t>backlog</a:t>
+            </a:r>
+            <a:r>
+              <a:rPr lang="de-CH" dirty="0"/>
+              <a:t> aktualisieren</a:t>
+            </a:r>
           </a:p>
         </p:txBody>
       </p:sp>
@@ -1071,7 +1041,7 @@
               <a:pPr>
                 <a:defRPr/>
               </a:pPr>
-              <a:t>7</a:t>
+              <a:t>11</a:t>
             </a:fld>
             <a:endParaRPr lang="de-CH"/>
           </a:p>
@@ -1080,7 +1050,7 @@
     </p:spTree>
     <p:extLst>
       <p:ext uri="{BB962C8B-B14F-4D97-AF65-F5344CB8AC3E}">
-        <p14:creationId xmlns:p14="http://schemas.microsoft.com/office/powerpoint/2010/main" val="1802605468"/>
+        <p14:creationId xmlns:p14="http://schemas.microsoft.com/office/powerpoint/2010/main" val="2020155928"/>
       </p:ext>
     </p:extLst>
   </p:cSld>
@@ -1134,22 +1104,7 @@
           <a:bodyPr/>
           <a:lstStyle/>
           <a:p>
-            <a:r>
-              <a:rPr lang="de-CH" dirty="0" err="1"/>
-              <a:t>Product</a:t>
-            </a:r>
-            <a:r>
-              <a:rPr lang="de-CH" dirty="0"/>
-              <a:t> </a:t>
-            </a:r>
-            <a:r>
-              <a:rPr lang="de-CH" dirty="0" err="1"/>
-              <a:t>backlog</a:t>
-            </a:r>
-            <a:r>
-              <a:rPr lang="de-CH" dirty="0"/>
-              <a:t> aktualisieren</a:t>
-            </a:r>
+            <a:endParaRPr lang="de-DE" dirty="0"/>
           </a:p>
         </p:txBody>
       </p:sp>
@@ -1176,7 +1131,7 @@
               <a:pPr>
                 <a:defRPr/>
               </a:pPr>
-              <a:t>12</a:t>
+              <a:t>14</a:t>
             </a:fld>
             <a:endParaRPr lang="de-CH"/>
           </a:p>
@@ -1185,7 +1140,7 @@
     </p:spTree>
     <p:extLst>
       <p:ext uri="{BB962C8B-B14F-4D97-AF65-F5344CB8AC3E}">
-        <p14:creationId xmlns:p14="http://schemas.microsoft.com/office/powerpoint/2010/main" val="2020155928"/>
+        <p14:creationId xmlns:p14="http://schemas.microsoft.com/office/powerpoint/2010/main" val="1418824149"/>
       </p:ext>
     </p:extLst>
   </p:cSld>
@@ -7737,41 +7692,10 @@
       </p:grpSpPr>
       <p:sp>
         <p:nvSpPr>
-          <p:cNvPr id="2" name="Inhaltsplatzhalter 1">
-            <a:extLst>
-              <a:ext uri="{FF2B5EF4-FFF2-40B4-BE49-F238E27FC236}">
-                <a16:creationId xmlns:a16="http://schemas.microsoft.com/office/drawing/2014/main" id="{19572D01-E7C4-4B81-9FCD-595177684BEA}"/>
-              </a:ext>
-            </a:extLst>
-          </p:cNvPr>
-          <p:cNvSpPr>
-            <a:spLocks noGrp="1"/>
-          </p:cNvSpPr>
-          <p:nvPr>
-            <p:ph sz="half" idx="1"/>
-          </p:nvPr>
-        </p:nvSpPr>
-        <p:spPr/>
-        <p:txBody>
-          <a:bodyPr/>
-          <a:lstStyle/>
-          <a:p>
-            <a:r>
-              <a:rPr lang="de-CH" dirty="0"/>
-              <a:t>Titelbild: https://image.jimcdn.com/app/cms/image/transf/dimension=697x10000:format=jpg/path/sd47613ceb1db53f4/image/ib674891e8fb5286a/version/1515513892/patientenzimmer-untersuchungszimmer-praxis-hausarzt-friedeck-rothenburg.jpg</a:t>
-            </a:r>
-          </a:p>
-          <a:p>
-            <a:endParaRPr lang="de-CH" dirty="0"/>
-          </a:p>
-        </p:txBody>
-      </p:sp>
-      <p:sp>
-        <p:nvSpPr>
           <p:cNvPr id="3" name="Titel 2">
             <a:extLst>
               <a:ext uri="{FF2B5EF4-FFF2-40B4-BE49-F238E27FC236}">
-                <a16:creationId xmlns:a16="http://schemas.microsoft.com/office/drawing/2014/main" id="{93DE674A-067F-4DB4-9443-098DF8E86245}"/>
+                <a16:creationId xmlns:a16="http://schemas.microsoft.com/office/drawing/2014/main" id="{2A1A9CE2-A825-4C4E-B2DA-537B6B482230}"/>
               </a:ext>
             </a:extLst>
           </p:cNvPr>
@@ -7788,16 +7712,54 @@
           <a:lstStyle/>
           <a:p>
             <a:r>
+              <a:rPr lang="de-CH" dirty="0" err="1"/>
+              <a:t>Product</a:t>
+            </a:r>
+            <a:r>
               <a:rPr lang="de-CH" dirty="0"/>
-              <a:t>Bilderquellen</a:t>
-            </a:r>
-          </a:p>
-        </p:txBody>
-      </p:sp>
+              <a:t> </a:t>
+            </a:r>
+            <a:r>
+              <a:rPr lang="de-CH" dirty="0" err="1"/>
+              <a:t>Backlog</a:t>
+            </a:r>
+            <a:endParaRPr lang="de-CH" dirty="0"/>
+          </a:p>
+        </p:txBody>
+      </p:sp>
+      <p:pic>
+        <p:nvPicPr>
+          <p:cNvPr id="6" name="Inhaltsplatzhalter 5" descr="Ein Bild, das Screenshot, Anzeige enthält.&#10;&#10;Automatisch generierte Beschreibung">
+            <a:extLst>
+              <a:ext uri="{FF2B5EF4-FFF2-40B4-BE49-F238E27FC236}">
+                <a16:creationId xmlns:a16="http://schemas.microsoft.com/office/drawing/2014/main" id="{85F5CABD-1879-D649-9D7A-6E10DE86832F}"/>
+              </a:ext>
+            </a:extLst>
+          </p:cNvPr>
+          <p:cNvPicPr>
+            <a:picLocks noGrp="1" noChangeAspect="1"/>
+          </p:cNvPicPr>
+          <p:nvPr>
+            <p:ph sz="half" idx="1"/>
+          </p:nvPr>
+        </p:nvPicPr>
+        <p:blipFill>
+          <a:blip r:embed="rId3"/>
+          <a:stretch>
+            <a:fillRect/>
+          </a:stretch>
+        </p:blipFill>
+        <p:spPr>
+          <a:xfrm>
+            <a:off x="836023" y="989348"/>
+            <a:ext cx="9834707" cy="5130465"/>
+          </a:xfrm>
+        </p:spPr>
+      </p:pic>
     </p:spTree>
     <p:extLst>
       <p:ext uri="{BB962C8B-B14F-4D97-AF65-F5344CB8AC3E}">
-        <p14:creationId xmlns:p14="http://schemas.microsoft.com/office/powerpoint/2010/main" val="640674437"/>
+        <p14:creationId xmlns:p14="http://schemas.microsoft.com/office/powerpoint/2010/main" val="3826076777"/>
       </p:ext>
     </p:extLst>
   </p:cSld>
@@ -7846,53 +7808,54 @@
           <a:lstStyle/>
           <a:p>
             <a:r>
+              <a:rPr lang="de-CH" dirty="0"/>
+              <a:t>Sprint </a:t>
+            </a:r>
+            <a:r>
               <a:rPr lang="de-CH" dirty="0" err="1"/>
-              <a:t>Product</a:t>
+              <a:t>Backlog</a:t>
             </a:r>
             <a:r>
               <a:rPr lang="de-CH" dirty="0"/>
-              <a:t> </a:t>
-            </a:r>
-            <a:r>
-              <a:rPr lang="de-CH" dirty="0" err="1"/>
-              <a:t>backlog</a:t>
-            </a:r>
-            <a:endParaRPr lang="de-CH" dirty="0"/>
+              <a:t> 1</a:t>
+            </a:r>
           </a:p>
         </p:txBody>
       </p:sp>
       <p:pic>
         <p:nvPicPr>
-          <p:cNvPr id="9" name="Inhaltsplatzhalter 8" descr="Ein Bild, das Screenshot enthält.&#10;&#10;Automatisch generierte Beschreibung">
+          <p:cNvPr id="4" name="Grafik 3" descr="Ein Bild, das Screenshot, Anzeige enthält.&#10;&#10;Automatisch generierte Beschreibung">
             <a:extLst>
               <a:ext uri="{FF2B5EF4-FFF2-40B4-BE49-F238E27FC236}">
-                <a16:creationId xmlns:a16="http://schemas.microsoft.com/office/drawing/2014/main" id="{FEDEC564-8FCF-F549-955A-FA8E13F8AECF}"/>
+                <a16:creationId xmlns:a16="http://schemas.microsoft.com/office/drawing/2014/main" id="{51DDEA9F-25CA-8C45-A486-29CC128458C3}"/>
               </a:ext>
             </a:extLst>
           </p:cNvPr>
           <p:cNvPicPr>
-            <a:picLocks noGrp="1" noChangeAspect="1"/>
+            <a:picLocks noChangeAspect="1"/>
           </p:cNvPicPr>
-          <p:nvPr>
-            <p:ph sz="half" idx="1"/>
-          </p:nvPr>
+          <p:nvPr/>
         </p:nvPicPr>
-        <p:blipFill rotWithShape="1">
-          <a:blip r:embed="rId3"/>
-          <a:srcRect l="436" t="803" r="389" b="1081"/>
-          <a:stretch/>
+        <p:blipFill>
+          <a:blip r:embed="rId2"/>
+          <a:stretch>
+            <a:fillRect/>
+          </a:stretch>
         </p:blipFill>
         <p:spPr>
           <a:xfrm>
-            <a:off x="457200" y="943520"/>
-            <a:ext cx="10090433" cy="5311675"/>
+            <a:off x="555438" y="1711234"/>
+            <a:ext cx="11652438" cy="3607490"/>
           </a:xfrm>
+          <a:prstGeom prst="rect">
+            <a:avLst/>
+          </a:prstGeom>
         </p:spPr>
       </p:pic>
     </p:spTree>
     <p:extLst>
       <p:ext uri="{BB962C8B-B14F-4D97-AF65-F5344CB8AC3E}">
-        <p14:creationId xmlns:p14="http://schemas.microsoft.com/office/powerpoint/2010/main" val="3826076777"/>
+        <p14:creationId xmlns:p14="http://schemas.microsoft.com/office/powerpoint/2010/main" val="684438622"/>
       </p:ext>
     </p:extLst>
   </p:cSld>
@@ -7946,18 +7909,21 @@
             </a:r>
             <a:r>
               <a:rPr lang="de-CH" dirty="0" err="1"/>
-              <a:t>backlog</a:t>
-            </a:r>
-            <a:endParaRPr lang="de-CH" dirty="0"/>
+              <a:t>Backlog</a:t>
+            </a:r>
+            <a:r>
+              <a:rPr lang="de-CH" dirty="0"/>
+              <a:t> 2</a:t>
+            </a:r>
           </a:p>
         </p:txBody>
       </p:sp>
       <p:pic>
         <p:nvPicPr>
-          <p:cNvPr id="5" name="Inhaltsplatzhalter 12" descr="Ein Bild, das Screenshot enthält.&#10;&#10;Automatisch generierte Beschreibung">
+          <p:cNvPr id="4" name="Grafik 3" descr="Ein Bild, das Screenshot enthält.&#10;&#10;Automatisch generierte Beschreibung">
             <a:extLst>
               <a:ext uri="{FF2B5EF4-FFF2-40B4-BE49-F238E27FC236}">
-                <a16:creationId xmlns:a16="http://schemas.microsoft.com/office/drawing/2014/main" id="{609956C9-1ECD-2E4B-87D9-C5B93CCC6BB9}"/>
+                <a16:creationId xmlns:a16="http://schemas.microsoft.com/office/drawing/2014/main" id="{F1F2B6A8-317A-6A47-A681-7C9617D757FA}"/>
               </a:ext>
             </a:extLst>
           </p:cNvPr>
@@ -7966,15 +7932,16 @@
           </p:cNvPicPr>
           <p:nvPr/>
         </p:nvPicPr>
-        <p:blipFill rotWithShape="1">
+        <p:blipFill>
           <a:blip r:embed="rId2"/>
-          <a:srcRect l="398" t="1269" r="517" b="8430"/>
-          <a:stretch/>
+          <a:stretch>
+            <a:fillRect/>
+          </a:stretch>
         </p:blipFill>
         <p:spPr>
           <a:xfrm>
-            <a:off x="135130" y="1457533"/>
-            <a:ext cx="11937613" cy="3942933"/>
+            <a:off x="143691" y="1189674"/>
+            <a:ext cx="12064184" cy="4532637"/>
           </a:xfrm>
           <a:prstGeom prst="rect">
             <a:avLst/>
@@ -7984,7 +7951,103 @@
     </p:spTree>
     <p:extLst>
       <p:ext uri="{BB962C8B-B14F-4D97-AF65-F5344CB8AC3E}">
-        <p14:creationId xmlns:p14="http://schemas.microsoft.com/office/powerpoint/2010/main" val="684438622"/>
+        <p14:creationId xmlns:p14="http://schemas.microsoft.com/office/powerpoint/2010/main" val="397703565"/>
+      </p:ext>
+    </p:extLst>
+  </p:cSld>
+  <p:clrMapOvr>
+    <a:masterClrMapping/>
+  </p:clrMapOvr>
+</p:sld>
+</file>
+
+<file path=ppt/slides/slide14.xml><?xml version="1.0" encoding="utf-8"?>
+<p:sld xmlns:a="http://schemas.openxmlformats.org/drawingml/2006/main" xmlns:r="http://schemas.openxmlformats.org/officeDocument/2006/relationships" xmlns:p="http://schemas.openxmlformats.org/presentationml/2006/main">
+  <p:cSld>
+    <p:spTree>
+      <p:nvGrpSpPr>
+        <p:cNvPr id="1" name=""/>
+        <p:cNvGrpSpPr/>
+        <p:nvPr/>
+      </p:nvGrpSpPr>
+      <p:grpSpPr>
+        <a:xfrm>
+          <a:off x="0" y="0"/>
+          <a:ext cx="0" cy="0"/>
+          <a:chOff x="0" y="0"/>
+          <a:chExt cx="0" cy="0"/>
+        </a:xfrm>
+      </p:grpSpPr>
+      <p:sp>
+        <p:nvSpPr>
+          <p:cNvPr id="3" name="Titel 2">
+            <a:extLst>
+              <a:ext uri="{FF2B5EF4-FFF2-40B4-BE49-F238E27FC236}">
+                <a16:creationId xmlns:a16="http://schemas.microsoft.com/office/drawing/2014/main" id="{2A1A9CE2-A825-4C4E-B2DA-537B6B482230}"/>
+              </a:ext>
+            </a:extLst>
+          </p:cNvPr>
+          <p:cNvSpPr>
+            <a:spLocks noGrp="1"/>
+          </p:cNvSpPr>
+          <p:nvPr>
+            <p:ph type="ctrTitle"/>
+          </p:nvPr>
+        </p:nvSpPr>
+        <p:spPr/>
+        <p:txBody>
+          <a:bodyPr/>
+          <a:lstStyle/>
+          <a:p>
+            <a:r>
+              <a:rPr lang="de-CH" dirty="0"/>
+              <a:t>Sprint </a:t>
+            </a:r>
+            <a:r>
+              <a:rPr lang="de-CH" dirty="0" err="1"/>
+              <a:t>Backlog</a:t>
+            </a:r>
+            <a:r>
+              <a:rPr lang="de-CH" dirty="0"/>
+              <a:t> 3</a:t>
+            </a:r>
+          </a:p>
+        </p:txBody>
+      </p:sp>
+      <p:pic>
+        <p:nvPicPr>
+          <p:cNvPr id="4" name="Grafik 3" descr="Ein Bild, das Screenshot, Monitor, Bildschirm, groß enthält.&#10;&#10;Automatisch generierte Beschreibung">
+            <a:extLst>
+              <a:ext uri="{FF2B5EF4-FFF2-40B4-BE49-F238E27FC236}">
+                <a16:creationId xmlns:a16="http://schemas.microsoft.com/office/drawing/2014/main" id="{7ED28D68-7B33-2E4D-A559-185E6BF2AD6B}"/>
+              </a:ext>
+            </a:extLst>
+          </p:cNvPr>
+          <p:cNvPicPr>
+            <a:picLocks noChangeAspect="1"/>
+          </p:cNvPicPr>
+          <p:nvPr/>
+        </p:nvPicPr>
+        <p:blipFill>
+          <a:blip r:embed="rId3"/>
+          <a:stretch>
+            <a:fillRect/>
+          </a:stretch>
+        </p:blipFill>
+        <p:spPr>
+          <a:xfrm>
+            <a:off x="282097" y="2398343"/>
+            <a:ext cx="11563067" cy="2061314"/>
+          </a:xfrm>
+          <a:prstGeom prst="rect">
+            <a:avLst/>
+          </a:prstGeom>
+        </p:spPr>
+      </p:pic>
+    </p:spTree>
+    <p:extLst>
+      <p:ext uri="{BB962C8B-B14F-4D97-AF65-F5344CB8AC3E}">
+        <p14:creationId xmlns:p14="http://schemas.microsoft.com/office/powerpoint/2010/main" val="3448055728"/>
       </p:ext>
     </p:extLst>
   </p:cSld>
@@ -8287,7 +8350,7 @@
           <a:bodyPr/>
           <a:lstStyle/>
           <a:p>
-            <a:endParaRPr lang="de-CH"/>
+            <a:endParaRPr lang="de-CH" dirty="0"/>
           </a:p>
         </p:txBody>
       </p:sp>
@@ -8305,312 +8368,6 @@
 </file>
 
 <file path=ppt/slides/slide4.xml><?xml version="1.0" encoding="utf-8"?>
-<p:sld xmlns:a="http://schemas.openxmlformats.org/drawingml/2006/main" xmlns:r="http://schemas.openxmlformats.org/officeDocument/2006/relationships" xmlns:p="http://schemas.openxmlformats.org/presentationml/2006/main">
-  <p:cSld>
-    <p:spTree>
-      <p:nvGrpSpPr>
-        <p:cNvPr id="1" name=""/>
-        <p:cNvGrpSpPr/>
-        <p:nvPr/>
-      </p:nvGrpSpPr>
-      <p:grpSpPr>
-        <a:xfrm>
-          <a:off x="0" y="0"/>
-          <a:ext cx="0" cy="0"/>
-          <a:chOff x="0" y="0"/>
-          <a:chExt cx="0" cy="0"/>
-        </a:xfrm>
-      </p:grpSpPr>
-      <p:sp>
-        <p:nvSpPr>
-          <p:cNvPr id="3" name="Titel 2">
-            <a:extLst>
-              <a:ext uri="{FF2B5EF4-FFF2-40B4-BE49-F238E27FC236}">
-                <a16:creationId xmlns:a16="http://schemas.microsoft.com/office/drawing/2014/main" id="{2A1A9CE2-A825-4C4E-B2DA-537B6B482230}"/>
-              </a:ext>
-            </a:extLst>
-          </p:cNvPr>
-          <p:cNvSpPr>
-            <a:spLocks noGrp="1"/>
-          </p:cNvSpPr>
-          <p:nvPr>
-            <p:ph type="ctrTitle"/>
-          </p:nvPr>
-        </p:nvSpPr>
-        <p:spPr/>
-        <p:txBody>
-          <a:bodyPr/>
-          <a:lstStyle/>
-          <a:p>
-            <a:r>
-              <a:rPr lang="de-CH" dirty="0"/>
-              <a:t>Implementierte </a:t>
-            </a:r>
-            <a:r>
-              <a:rPr lang="de-CH" dirty="0" err="1"/>
-              <a:t>features</a:t>
-            </a:r>
-            <a:endParaRPr lang="de-CH" dirty="0"/>
-          </a:p>
-        </p:txBody>
-      </p:sp>
-      <p:sp>
-        <p:nvSpPr>
-          <p:cNvPr id="4" name="Inhaltsplatzhalter 3">
-            <a:extLst>
-              <a:ext uri="{FF2B5EF4-FFF2-40B4-BE49-F238E27FC236}">
-                <a16:creationId xmlns:a16="http://schemas.microsoft.com/office/drawing/2014/main" id="{617709DA-EACF-4B4F-8764-8FD3AF31F6A1}"/>
-              </a:ext>
-            </a:extLst>
-          </p:cNvPr>
-          <p:cNvSpPr>
-            <a:spLocks noGrp="1"/>
-          </p:cNvSpPr>
-          <p:nvPr>
-            <p:ph sz="half" idx="1"/>
-          </p:nvPr>
-        </p:nvSpPr>
-        <p:spPr/>
-        <p:txBody>
-          <a:bodyPr/>
-          <a:lstStyle/>
-          <a:p>
-            <a:r>
-              <a:rPr lang="de-DE" dirty="0"/>
-              <a:t>Web-Applikation zum Thema Patienten-Management-System</a:t>
-            </a:r>
-          </a:p>
-          <a:p>
-            <a:r>
-              <a:rPr lang="de-DE" dirty="0"/>
-              <a:t> Das Ziel ist den Arzt bei der Behandlung von Patienten mit Suchterkrankungen zu unterstützen. </a:t>
-            </a:r>
-          </a:p>
-          <a:p>
-            <a:r>
-              <a:rPr lang="de-DE" dirty="0"/>
-              <a:t>Übergeordnete Ziele sind die Behandlung der Patienten zu erleichtern indem Informationen rechtzeitig dem Arzt zur Verfügung gestellt werden, sowie die Unterstützung von Patienten und deren Angehörigen bei der Bewältigung der Erkrankung. </a:t>
-            </a:r>
-          </a:p>
-          <a:p>
-            <a:endParaRPr lang="de-DE" dirty="0"/>
-          </a:p>
-          <a:p>
-            <a:pPr marL="0" indent="0">
-              <a:buNone/>
-            </a:pPr>
-            <a:r>
-              <a:rPr lang="de-CH" b="1" dirty="0"/>
-              <a:t>Hauptfunktionen</a:t>
-            </a:r>
-            <a:r>
-              <a:rPr lang="de-CH" dirty="0"/>
-              <a:t> </a:t>
-            </a:r>
-          </a:p>
-          <a:p>
-            <a:r>
-              <a:rPr lang="de-CH" dirty="0"/>
-              <a:t>Patientenaufnahme </a:t>
-            </a:r>
-          </a:p>
-          <a:p>
-            <a:r>
-              <a:rPr lang="de-CH" dirty="0"/>
-              <a:t>Medikation </a:t>
-            </a:r>
-          </a:p>
-          <a:p>
-            <a:r>
-              <a:rPr lang="de-CH" dirty="0"/>
-              <a:t>Terminplanung </a:t>
-            </a:r>
-          </a:p>
-          <a:p>
-            <a:endParaRPr lang="de-CH" dirty="0"/>
-          </a:p>
-        </p:txBody>
-      </p:sp>
-    </p:spTree>
-    <p:extLst>
-      <p:ext uri="{BB962C8B-B14F-4D97-AF65-F5344CB8AC3E}">
-        <p14:creationId xmlns:p14="http://schemas.microsoft.com/office/powerpoint/2010/main" val="1385483464"/>
-      </p:ext>
-    </p:extLst>
-  </p:cSld>
-  <p:clrMapOvr>
-    <a:masterClrMapping/>
-  </p:clrMapOvr>
-</p:sld>
-</file>
-
-<file path=ppt/slides/slide5.xml><?xml version="1.0" encoding="utf-8"?>
-<p:sld xmlns:a="http://schemas.openxmlformats.org/drawingml/2006/main" xmlns:r="http://schemas.openxmlformats.org/officeDocument/2006/relationships" xmlns:p="http://schemas.openxmlformats.org/presentationml/2006/main">
-  <p:cSld>
-    <p:spTree>
-      <p:nvGrpSpPr>
-        <p:cNvPr id="1" name=""/>
-        <p:cNvGrpSpPr/>
-        <p:nvPr/>
-      </p:nvGrpSpPr>
-      <p:grpSpPr>
-        <a:xfrm>
-          <a:off x="0" y="0"/>
-          <a:ext cx="0" cy="0"/>
-          <a:chOff x="0" y="0"/>
-          <a:chExt cx="0" cy="0"/>
-        </a:xfrm>
-      </p:grpSpPr>
-      <p:sp>
-        <p:nvSpPr>
-          <p:cNvPr id="3" name="Titel 2">
-            <a:extLst>
-              <a:ext uri="{FF2B5EF4-FFF2-40B4-BE49-F238E27FC236}">
-                <a16:creationId xmlns:a16="http://schemas.microsoft.com/office/drawing/2014/main" id="{2A1A9CE2-A825-4C4E-B2DA-537B6B482230}"/>
-              </a:ext>
-            </a:extLst>
-          </p:cNvPr>
-          <p:cNvSpPr>
-            <a:spLocks noGrp="1"/>
-          </p:cNvSpPr>
-          <p:nvPr>
-            <p:ph type="ctrTitle"/>
-          </p:nvPr>
-        </p:nvSpPr>
-        <p:spPr/>
-        <p:txBody>
-          <a:bodyPr/>
-          <a:lstStyle/>
-          <a:p>
-            <a:r>
-              <a:rPr lang="de-CH" dirty="0"/>
-              <a:t>Implementierte </a:t>
-            </a:r>
-            <a:r>
-              <a:rPr lang="de-CH" dirty="0" err="1"/>
-              <a:t>features</a:t>
-            </a:r>
-            <a:endParaRPr lang="de-CH" dirty="0"/>
-          </a:p>
-        </p:txBody>
-      </p:sp>
-      <p:sp>
-        <p:nvSpPr>
-          <p:cNvPr id="4" name="Inhaltsplatzhalter 3">
-            <a:extLst>
-              <a:ext uri="{FF2B5EF4-FFF2-40B4-BE49-F238E27FC236}">
-                <a16:creationId xmlns:a16="http://schemas.microsoft.com/office/drawing/2014/main" id="{617709DA-EACF-4B4F-8764-8FD3AF31F6A1}"/>
-              </a:ext>
-            </a:extLst>
-          </p:cNvPr>
-          <p:cNvSpPr>
-            <a:spLocks noGrp="1"/>
-          </p:cNvSpPr>
-          <p:nvPr>
-            <p:ph sz="half" idx="1"/>
-          </p:nvPr>
-        </p:nvSpPr>
-        <p:spPr/>
-        <p:txBody>
-          <a:bodyPr/>
-          <a:lstStyle/>
-          <a:p>
-            <a:pPr marL="0" indent="0">
-              <a:buNone/>
-            </a:pPr>
-            <a:r>
-              <a:rPr lang="de-CH" b="1" dirty="0"/>
-              <a:t>Funktionale Benutzeranforderungen </a:t>
-            </a:r>
-          </a:p>
-          <a:p>
-            <a:r>
-              <a:rPr lang="de-DE" dirty="0"/>
-              <a:t>Benutzer kann Patienten im System erfassen und Daten eingeben </a:t>
-            </a:r>
-          </a:p>
-          <a:p>
-            <a:r>
-              <a:rPr lang="de-DE" dirty="0"/>
-              <a:t>Benutzer kann Patientendaten – wenn freigegeben – aus EPD abrufen o Die EPD Anbindung wird simuliert </a:t>
-            </a:r>
-            <a:endParaRPr lang="de-CH" dirty="0"/>
-          </a:p>
-          <a:p>
-            <a:r>
-              <a:rPr lang="de-DE" dirty="0"/>
-              <a:t>Benutzer kann Medikamente verschreiben o Die Anbindung ans </a:t>
-            </a:r>
-            <a:r>
-              <a:rPr lang="de-DE" dirty="0" err="1"/>
-              <a:t>hospINDEX</a:t>
-            </a:r>
-            <a:r>
-              <a:rPr lang="de-DE" dirty="0"/>
-              <a:t> wird simuliert </a:t>
-            </a:r>
-            <a:endParaRPr lang="de-CH" dirty="0"/>
-          </a:p>
-          <a:p>
-            <a:r>
-              <a:rPr lang="de-DE" dirty="0"/>
-              <a:t>Dem Benutzer steht ein Tool zur Verfügung, mit dem er plausibilisieren kann, ob die Medikamente genommen werden </a:t>
-            </a:r>
-          </a:p>
-          <a:p>
-            <a:r>
-              <a:rPr lang="de-DE" dirty="0"/>
-              <a:t>Benutzer kann seine Patiententermine verwalten </a:t>
-            </a:r>
-          </a:p>
-          <a:p>
-            <a:r>
-              <a:rPr lang="de-DE" dirty="0"/>
-              <a:t>Benutzer kann sich </a:t>
-            </a:r>
-            <a:r>
-              <a:rPr lang="de-DE" dirty="0" err="1"/>
-              <a:t>ausserhalb</a:t>
-            </a:r>
-            <a:r>
-              <a:rPr lang="de-DE" dirty="0"/>
-              <a:t> der Organisation in das System einloggen o Keine Authentisierungsmechanismus mit SMS/</a:t>
-            </a:r>
-            <a:r>
-              <a:rPr lang="de-DE" dirty="0" err="1"/>
-              <a:t>mOTP</a:t>
-            </a:r>
-            <a:r>
-              <a:rPr lang="de-DE" dirty="0"/>
-              <a:t>/… etc. wird realisiert </a:t>
-            </a:r>
-            <a:endParaRPr lang="de-CH" dirty="0"/>
-          </a:p>
-          <a:p>
-            <a:r>
-              <a:rPr lang="de-DE" dirty="0"/>
-              <a:t>Benutzer kann vorausgefüllte Formulare ausdrucken </a:t>
-            </a:r>
-          </a:p>
-          <a:p>
-            <a:endParaRPr lang="de-CH" dirty="0"/>
-          </a:p>
-        </p:txBody>
-      </p:sp>
-    </p:spTree>
-    <p:extLst>
-      <p:ext uri="{BB962C8B-B14F-4D97-AF65-F5344CB8AC3E}">
-        <p14:creationId xmlns:p14="http://schemas.microsoft.com/office/powerpoint/2010/main" val="3709174823"/>
-      </p:ext>
-    </p:extLst>
-  </p:cSld>
-  <p:clrMapOvr>
-    <a:masterClrMapping/>
-  </p:clrMapOvr>
-</p:sld>
-</file>
-
-<file path=ppt/slides/slide6.xml><?xml version="1.0" encoding="utf-8"?>
 <p:sld xmlns:a="http://schemas.openxmlformats.org/drawingml/2006/main" xmlns:r="http://schemas.openxmlformats.org/officeDocument/2006/relationships" xmlns:p="http://schemas.openxmlformats.org/presentationml/2006/main">
   <p:cSld>
     <p:spTree>
@@ -9367,7 +9124,7 @@
 </p:sld>
 </file>
 
-<file path=ppt/slides/slide7.xml><?xml version="1.0" encoding="utf-8"?>
+<file path=ppt/slides/slide5.xml><?xml version="1.0" encoding="utf-8"?>
 <p:sld xmlns:a="http://schemas.openxmlformats.org/drawingml/2006/main" xmlns:r="http://schemas.openxmlformats.org/officeDocument/2006/relationships" xmlns:p="http://schemas.openxmlformats.org/presentationml/2006/main">
   <p:cSld>
     <p:spTree>
@@ -9523,7 +9280,7 @@
 </p:sld>
 </file>
 
-<file path=ppt/slides/slide8.xml><?xml version="1.0" encoding="utf-8"?>
+<file path=ppt/slides/slide6.xml><?xml version="1.0" encoding="utf-8"?>
 <p:sld xmlns:a="http://schemas.openxmlformats.org/drawingml/2006/main" xmlns:r="http://schemas.openxmlformats.org/officeDocument/2006/relationships" xmlns:p="http://schemas.openxmlformats.org/presentationml/2006/main">
   <p:cSld>
     <p:spTree>
@@ -9667,7 +9424,7 @@
 </p:sld>
 </file>
 
-<file path=ppt/slides/slide9.xml><?xml version="1.0" encoding="utf-8"?>
+<file path=ppt/slides/slide7.xml><?xml version="1.0" encoding="utf-8"?>
 <p:sld xmlns:a="http://schemas.openxmlformats.org/drawingml/2006/main" xmlns:r="http://schemas.openxmlformats.org/officeDocument/2006/relationships" xmlns:p="http://schemas.openxmlformats.org/presentationml/2006/main">
   <p:cSld>
     <p:spTree>
@@ -9787,6 +9544,158 @@
     <p:extLst>
       <p:ext uri="{BB962C8B-B14F-4D97-AF65-F5344CB8AC3E}">
         <p14:creationId xmlns:p14="http://schemas.microsoft.com/office/powerpoint/2010/main" val="886910423"/>
+      </p:ext>
+    </p:extLst>
+  </p:cSld>
+  <p:clrMapOvr>
+    <a:masterClrMapping/>
+  </p:clrMapOvr>
+</p:sld>
+</file>
+
+<file path=ppt/slides/slide8.xml><?xml version="1.0" encoding="utf-8"?>
+<p:sld xmlns:a="http://schemas.openxmlformats.org/drawingml/2006/main" xmlns:r="http://schemas.openxmlformats.org/officeDocument/2006/relationships" xmlns:p="http://schemas.openxmlformats.org/presentationml/2006/main">
+  <p:cSld>
+    <p:spTree>
+      <p:nvGrpSpPr>
+        <p:cNvPr id="1" name=""/>
+        <p:cNvGrpSpPr/>
+        <p:nvPr/>
+      </p:nvGrpSpPr>
+      <p:grpSpPr>
+        <a:xfrm>
+          <a:off x="0" y="0"/>
+          <a:ext cx="0" cy="0"/>
+          <a:chOff x="0" y="0"/>
+          <a:chExt cx="0" cy="0"/>
+        </a:xfrm>
+      </p:grpSpPr>
+      <p:sp>
+        <p:nvSpPr>
+          <p:cNvPr id="2" name="Inhaltsplatzhalter 1">
+            <a:extLst>
+              <a:ext uri="{FF2B5EF4-FFF2-40B4-BE49-F238E27FC236}">
+                <a16:creationId xmlns:a16="http://schemas.microsoft.com/office/drawing/2014/main" id="{19572D01-E7C4-4B81-9FCD-595177684BEA}"/>
+              </a:ext>
+            </a:extLst>
+          </p:cNvPr>
+          <p:cNvSpPr>
+            <a:spLocks noGrp="1"/>
+          </p:cNvSpPr>
+          <p:nvPr>
+            <p:ph sz="half" idx="1"/>
+          </p:nvPr>
+        </p:nvSpPr>
+        <p:spPr/>
+        <p:txBody>
+          <a:bodyPr/>
+          <a:lstStyle/>
+          <a:p>
+            <a:r>
+              <a:rPr lang="de-CH" dirty="0"/>
+              <a:t>Titelbild: https://image.jimcdn.com/app/cms/image/transf/dimension=697x10000:format=jpg/path/sd47613ceb1db53f4/image/ib674891e8fb5286a/version/1515513892/patientenzimmer-untersuchungszimmer-praxis-hausarzt-friedeck-rothenburg.jpg</a:t>
+            </a:r>
+          </a:p>
+          <a:p>
+            <a:endParaRPr lang="de-CH" dirty="0"/>
+          </a:p>
+        </p:txBody>
+      </p:sp>
+      <p:sp>
+        <p:nvSpPr>
+          <p:cNvPr id="3" name="Titel 2">
+            <a:extLst>
+              <a:ext uri="{FF2B5EF4-FFF2-40B4-BE49-F238E27FC236}">
+                <a16:creationId xmlns:a16="http://schemas.microsoft.com/office/drawing/2014/main" id="{93DE674A-067F-4DB4-9443-098DF8E86245}"/>
+              </a:ext>
+            </a:extLst>
+          </p:cNvPr>
+          <p:cNvSpPr>
+            <a:spLocks noGrp="1"/>
+          </p:cNvSpPr>
+          <p:nvPr>
+            <p:ph type="ctrTitle"/>
+          </p:nvPr>
+        </p:nvSpPr>
+        <p:spPr/>
+        <p:txBody>
+          <a:bodyPr/>
+          <a:lstStyle/>
+          <a:p>
+            <a:r>
+              <a:rPr lang="de-CH" dirty="0"/>
+              <a:t>Bilderquellen</a:t>
+            </a:r>
+          </a:p>
+        </p:txBody>
+      </p:sp>
+    </p:spTree>
+    <p:extLst>
+      <p:ext uri="{BB962C8B-B14F-4D97-AF65-F5344CB8AC3E}">
+        <p14:creationId xmlns:p14="http://schemas.microsoft.com/office/powerpoint/2010/main" val="640674437"/>
+      </p:ext>
+    </p:extLst>
+  </p:cSld>
+  <p:clrMapOvr>
+    <a:masterClrMapping/>
+  </p:clrMapOvr>
+</p:sld>
+</file>
+
+<file path=ppt/slides/slide9.xml><?xml version="1.0" encoding="utf-8"?>
+<p:sld xmlns:a="http://schemas.openxmlformats.org/drawingml/2006/main" xmlns:r="http://schemas.openxmlformats.org/officeDocument/2006/relationships" xmlns:p="http://schemas.openxmlformats.org/presentationml/2006/main">
+  <p:cSld>
+    <p:spTree>
+      <p:nvGrpSpPr>
+        <p:cNvPr id="1" name=""/>
+        <p:cNvGrpSpPr/>
+        <p:nvPr/>
+      </p:nvGrpSpPr>
+      <p:grpSpPr>
+        <a:xfrm>
+          <a:off x="0" y="0"/>
+          <a:ext cx="0" cy="0"/>
+          <a:chOff x="0" y="0"/>
+          <a:chExt cx="0" cy="0"/>
+        </a:xfrm>
+      </p:grpSpPr>
+      <p:sp>
+        <p:nvSpPr>
+          <p:cNvPr id="10" name="Titel 1">
+            <a:extLst>
+              <a:ext uri="{FF2B5EF4-FFF2-40B4-BE49-F238E27FC236}">
+                <a16:creationId xmlns:a16="http://schemas.microsoft.com/office/drawing/2014/main" id="{B70EFBCC-DB23-49EA-8BE3-C6992669D884}"/>
+              </a:ext>
+            </a:extLst>
+          </p:cNvPr>
+          <p:cNvSpPr>
+            <a:spLocks noGrp="1"/>
+          </p:cNvSpPr>
+          <p:nvPr>
+            <p:ph type="ctrTitle"/>
+          </p:nvPr>
+        </p:nvSpPr>
+        <p:spPr>
+          <a:xfrm>
+            <a:off x="457200" y="1839809"/>
+            <a:ext cx="7020000" cy="533105"/>
+          </a:xfrm>
+        </p:spPr>
+        <p:txBody>
+          <a:bodyPr/>
+          <a:lstStyle/>
+          <a:p>
+            <a:r>
+              <a:rPr lang="de-CH" dirty="0"/>
+              <a:t>Anhang</a:t>
+            </a:r>
+          </a:p>
+        </p:txBody>
+      </p:sp>
+    </p:spTree>
+    <p:extLst>
+      <p:ext uri="{BB962C8B-B14F-4D97-AF65-F5344CB8AC3E}">
+        <p14:creationId xmlns:p14="http://schemas.microsoft.com/office/powerpoint/2010/main" val="1751310171"/>
       </p:ext>
     </p:extLst>
   </p:cSld>
@@ -10416,6 +10325,12 @@
 </file>
 
 <file path=customXml/item2.xml><?xml version="1.0" encoding="utf-8"?>
+<p:properties xmlns:p="http://schemas.microsoft.com/office/2006/metadata/properties" xmlns:xsi="http://www.w3.org/2001/XMLSchema-instance" xmlns:pc="http://schemas.microsoft.com/office/infopath/2007/PartnerControls">
+  <documentManagement/>
+</p:properties>
+</file>
+
+<file path=customXml/item3.xml><?xml version="1.0" encoding="utf-8"?>
 <ct:contentTypeSchema xmlns:ct="http://schemas.microsoft.com/office/2006/metadata/contentType" xmlns:ma="http://schemas.microsoft.com/office/2006/metadata/properties/metaAttributes" ct:_="" ma:_="" ma:contentTypeName="Dokument" ma:contentTypeID="0x010100D78F6B955CE49741A0DA794E1BD19823" ma:contentTypeVersion="2" ma:contentTypeDescription="Ein neues Dokument erstellen." ma:contentTypeScope="" ma:versionID="b38c4b257f07a2bbe2e881e426cae38b">
   <xsd:schema xmlns:xsd="http://www.w3.org/2001/XMLSchema" xmlns:xs="http://www.w3.org/2001/XMLSchema" xmlns:p="http://schemas.microsoft.com/office/2006/metadata/properties" xmlns:ns3="de7f4a71-b510-446a-a776-c787f58d5553" targetNamespace="http://schemas.microsoft.com/office/2006/metadata/properties" ma:root="true" ma:fieldsID="98d1d1f20bcd69e07f996ac788fb9573" ns3:_="">
     <xsd:import namespace="de7f4a71-b510-446a-a776-c787f58d5553"/>
@@ -10547,12 +10462,6 @@
 </ct:contentTypeSchema>
 </file>
 
-<file path=customXml/item3.xml><?xml version="1.0" encoding="utf-8"?>
-<p:properties xmlns:p="http://schemas.microsoft.com/office/2006/metadata/properties" xmlns:xsi="http://www.w3.org/2001/XMLSchema-instance" xmlns:pc="http://schemas.microsoft.com/office/infopath/2007/PartnerControls">
-  <documentManagement/>
-</p:properties>
-</file>
-
 <file path=customXml/itemProps1.xml><?xml version="1.0" encoding="utf-8"?>
 <ds:datastoreItem xmlns:ds="http://schemas.openxmlformats.org/officeDocument/2006/customXml" ds:itemID="{7D2542CC-467A-4770-BDA7-ADCFF09F6DBF}">
   <ds:schemaRefs>
@@ -10562,6 +10471,22 @@
 </file>
 
 <file path=customXml/itemProps2.xml><?xml version="1.0" encoding="utf-8"?>
+<ds:datastoreItem xmlns:ds="http://schemas.openxmlformats.org/officeDocument/2006/customXml" ds:itemID="{66985437-8812-4ABE-89CE-3E49C89E0BF6}">
+  <ds:schemaRefs>
+    <ds:schemaRef ds:uri="de7f4a71-b510-446a-a776-c787f58d5553"/>
+    <ds:schemaRef ds:uri="http://schemas.openxmlformats.org/package/2006/metadata/core-properties"/>
+    <ds:schemaRef ds:uri="http://schemas.microsoft.com/office/2006/metadata/properties"/>
+    <ds:schemaRef ds:uri="http://purl.org/dc/terms/"/>
+    <ds:schemaRef ds:uri="http://purl.org/dc/dcmitype/"/>
+    <ds:schemaRef ds:uri="http://purl.org/dc/elements/1.1/"/>
+    <ds:schemaRef ds:uri="http://schemas.microsoft.com/office/infopath/2007/PartnerControls"/>
+    <ds:schemaRef ds:uri="http://schemas.microsoft.com/office/2006/documentManagement/types"/>
+    <ds:schemaRef ds:uri="http://www.w3.org/XML/1998/namespace"/>
+  </ds:schemaRefs>
+</ds:datastoreItem>
+</file>
+
+<file path=customXml/itemProps3.xml><?xml version="1.0" encoding="utf-8"?>
 <ds:datastoreItem xmlns:ds="http://schemas.openxmlformats.org/officeDocument/2006/customXml" ds:itemID="{0626A31D-3B82-488A-B68B-0B333E20C417}">
   <ds:schemaRefs>
     <ds:schemaRef ds:uri="http://schemas.microsoft.com/office/2006/metadata/contentType"/>
@@ -10577,20 +10502,4 @@
     <ds:schemaRef ds:uri="http://schemas.microsoft.com/internal/obd"/>
   </ds:schemaRefs>
 </ds:datastoreItem>
-</file>
-
-<file path=customXml/itemProps3.xml><?xml version="1.0" encoding="utf-8"?>
-<ds:datastoreItem xmlns:ds="http://schemas.openxmlformats.org/officeDocument/2006/customXml" ds:itemID="{66985437-8812-4ABE-89CE-3E49C89E0BF6}">
-  <ds:schemaRefs>
-    <ds:schemaRef ds:uri="de7f4a71-b510-446a-a776-c787f58d5553"/>
-    <ds:schemaRef ds:uri="http://schemas.openxmlformats.org/package/2006/metadata/core-properties"/>
-    <ds:schemaRef ds:uri="http://schemas.microsoft.com/office/2006/metadata/properties"/>
-    <ds:schemaRef ds:uri="http://purl.org/dc/terms/"/>
-    <ds:schemaRef ds:uri="http://purl.org/dc/dcmitype/"/>
-    <ds:schemaRef ds:uri="http://purl.org/dc/elements/1.1/"/>
-    <ds:schemaRef ds:uri="http://schemas.microsoft.com/office/infopath/2007/PartnerControls"/>
-    <ds:schemaRef ds:uri="http://schemas.microsoft.com/office/2006/documentManagement/types"/>
-    <ds:schemaRef ds:uri="http://www.w3.org/XML/1998/namespace"/>
-  </ds:schemaRefs>
-</ds:datastoreItem>
 </file>
--- a/doc/task-07/Task07.pptx
+++ b/doc/task-07/Task07.pptx
@@ -260,7 +260,7 @@
               <a:pPr>
                 <a:defRPr/>
               </a:pPr>
-              <a:t>16.01.20</a:t>
+              <a:t>16.01.2020</a:t>
             </a:fld>
             <a:endParaRPr lang="de-CH"/>
           </a:p>
@@ -1773,7 +1773,7 @@
               <a:pPr>
                 <a:defRPr/>
               </a:pPr>
-              <a:t>16.01.20</a:t>
+              <a:t>16.01.2020</a:t>
             </a:fld>
             <a:r>
               <a:rPr lang="de-DE" sz="1000"/>
@@ -3211,7 +3211,7 @@
               <a:pPr>
                 <a:defRPr/>
               </a:pPr>
-              <a:t>16.01.20</a:t>
+              <a:t>16.01.2020</a:t>
             </a:fld>
             <a:r>
               <a:rPr lang="de-DE" sz="1000"/>
@@ -7337,7 +7337,15 @@
           <a:p>
             <a:r>
               <a:rPr lang="de-CH" dirty="0"/>
-              <a:t>David Gaupp, Miletic Marko, </a:t>
+              <a:t>David Gaupp, Marko Miletic, </a:t>
+            </a:r>
+            <a:r>
+              <a:rPr lang="de-CH" dirty="0" err="1"/>
+              <a:t>Sugeelan</a:t>
+            </a:r>
+            <a:r>
+              <a:rPr lang="de-CH" dirty="0"/>
+              <a:t> </a:t>
             </a:r>
             <a:r>
               <a:rPr lang="de-CH" dirty="0" err="1"/>
@@ -7345,23 +7353,15 @@
             </a:r>
             <a:r>
               <a:rPr lang="de-CH" dirty="0"/>
-              <a:t> </a:t>
+              <a:t>, Viktor </a:t>
             </a:r>
             <a:r>
               <a:rPr lang="de-CH" dirty="0" err="1"/>
-              <a:t>Sugeelan</a:t>
+              <a:t>Velkov</a:t>
             </a:r>
             <a:r>
               <a:rPr lang="de-CH" dirty="0"/>
               <a:t>, </a:t>
-            </a:r>
-            <a:r>
-              <a:rPr lang="de-CH" dirty="0" err="1"/>
-              <a:t>Velkov</a:t>
-            </a:r>
-            <a:r>
-              <a:rPr lang="de-CH" dirty="0"/>
-              <a:t> Viktor, </a:t>
             </a:r>
             <a:r>
               <a:rPr lang="de-CH" dirty="0" err="1"/>
@@ -7614,7 +7614,7 @@
             <a:pPr lvl="1"/>
             <a:r>
               <a:rPr lang="de-CH" sz="1600" dirty="0"/>
-              <a:t>Patient Stammdaten anzeigen (H), </a:t>
+              <a:t>Patient Stammdaten anzeigen(H), </a:t>
             </a:r>
             <a:r>
               <a:rPr lang="de-CH" sz="1600" dirty="0" err="1"/>
@@ -8212,19 +8212,8 @@
                 <a:latin typeface="Lucida Sans" pitchFamily="34" charset="0"/>
                 <a:cs typeface="Lucida Sans Unicode" pitchFamily="34" charset="0"/>
               </a:rPr>
-              <a:t>Implementierte </a:t>
-            </a:r>
-            <a:r>
-              <a:rPr lang="de-CH" dirty="0" err="1">
-                <a:latin typeface="Lucida Sans" pitchFamily="34" charset="0"/>
-                <a:cs typeface="Lucida Sans Unicode" pitchFamily="34" charset="0"/>
-              </a:rPr>
-              <a:t>features</a:t>
-            </a:r>
-            <a:endParaRPr lang="de-CH" dirty="0">
-              <a:latin typeface="Lucida Sans" pitchFamily="34" charset="0"/>
-              <a:cs typeface="Lucida Sans Unicode" pitchFamily="34" charset="0"/>
-            </a:endParaRPr>
+              <a:t>Implementierte Features</a:t>
+            </a:r>
           </a:p>
           <a:p>
             <a:pPr marL="457200" indent="-457200" eaLnBrk="1" hangingPunct="1">
@@ -8399,7 +8388,7 @@
           <p:nvPr>
             <p:extLst>
               <p:ext uri="{D42A27DB-BD31-4B8C-83A1-F6EECF244321}">
-                <p14:modId xmlns:p14="http://schemas.microsoft.com/office/powerpoint/2010/main" val="42572835"/>
+                <p14:modId xmlns:p14="http://schemas.microsoft.com/office/powerpoint/2010/main" val="1960938874"/>
               </p:ext>
             </p:extLst>
           </p:nvPr>
@@ -8442,7 +8431,7 @@
                       </a:r>
                       <a:r>
                         <a:rPr lang="de-CH" dirty="0" err="1"/>
-                        <a:t>Thinkin</a:t>
+                        <a:t>Thinking</a:t>
                       </a:r>
                       <a:r>
                         <a:rPr lang="de-CH" dirty="0"/>
@@ -8643,7 +8632,7 @@
                     <a:p>
                       <a:r>
                         <a:rPr lang="de-CH" dirty="0"/>
-                        <a:t>Externer Login</a:t>
+                        <a:t>Externes Login</a:t>
                       </a:r>
                     </a:p>
                   </a:txBody>
@@ -10325,12 +10314,6 @@
 </file>
 
 <file path=customXml/item2.xml><?xml version="1.0" encoding="utf-8"?>
-<p:properties xmlns:p="http://schemas.microsoft.com/office/2006/metadata/properties" xmlns:xsi="http://www.w3.org/2001/XMLSchema-instance" xmlns:pc="http://schemas.microsoft.com/office/infopath/2007/PartnerControls">
-  <documentManagement/>
-</p:properties>
-</file>
-
-<file path=customXml/item3.xml><?xml version="1.0" encoding="utf-8"?>
 <ct:contentTypeSchema xmlns:ct="http://schemas.microsoft.com/office/2006/metadata/contentType" xmlns:ma="http://schemas.microsoft.com/office/2006/metadata/properties/metaAttributes" ct:_="" ma:_="" ma:contentTypeName="Dokument" ma:contentTypeID="0x010100D78F6B955CE49741A0DA794E1BD19823" ma:contentTypeVersion="2" ma:contentTypeDescription="Ein neues Dokument erstellen." ma:contentTypeScope="" ma:versionID="b38c4b257f07a2bbe2e881e426cae38b">
   <xsd:schema xmlns:xsd="http://www.w3.org/2001/XMLSchema" xmlns:xs="http://www.w3.org/2001/XMLSchema" xmlns:p="http://schemas.microsoft.com/office/2006/metadata/properties" xmlns:ns3="de7f4a71-b510-446a-a776-c787f58d5553" targetNamespace="http://schemas.microsoft.com/office/2006/metadata/properties" ma:root="true" ma:fieldsID="98d1d1f20bcd69e07f996ac788fb9573" ns3:_="">
     <xsd:import namespace="de7f4a71-b510-446a-a776-c787f58d5553"/>
@@ -10462,6 +10445,12 @@
 </ct:contentTypeSchema>
 </file>
 
+<file path=customXml/item3.xml><?xml version="1.0" encoding="utf-8"?>
+<p:properties xmlns:p="http://schemas.microsoft.com/office/2006/metadata/properties" xmlns:xsi="http://www.w3.org/2001/XMLSchema-instance" xmlns:pc="http://schemas.microsoft.com/office/infopath/2007/PartnerControls">
+  <documentManagement/>
+</p:properties>
+</file>
+
 <file path=customXml/itemProps1.xml><?xml version="1.0" encoding="utf-8"?>
 <ds:datastoreItem xmlns:ds="http://schemas.openxmlformats.org/officeDocument/2006/customXml" ds:itemID="{7D2542CC-467A-4770-BDA7-ADCFF09F6DBF}">
   <ds:schemaRefs>
@@ -10471,22 +10460,6 @@
 </file>
 
 <file path=customXml/itemProps2.xml><?xml version="1.0" encoding="utf-8"?>
-<ds:datastoreItem xmlns:ds="http://schemas.openxmlformats.org/officeDocument/2006/customXml" ds:itemID="{66985437-8812-4ABE-89CE-3E49C89E0BF6}">
-  <ds:schemaRefs>
-    <ds:schemaRef ds:uri="de7f4a71-b510-446a-a776-c787f58d5553"/>
-    <ds:schemaRef ds:uri="http://schemas.openxmlformats.org/package/2006/metadata/core-properties"/>
-    <ds:schemaRef ds:uri="http://schemas.microsoft.com/office/2006/metadata/properties"/>
-    <ds:schemaRef ds:uri="http://purl.org/dc/terms/"/>
-    <ds:schemaRef ds:uri="http://purl.org/dc/dcmitype/"/>
-    <ds:schemaRef ds:uri="http://purl.org/dc/elements/1.1/"/>
-    <ds:schemaRef ds:uri="http://schemas.microsoft.com/office/infopath/2007/PartnerControls"/>
-    <ds:schemaRef ds:uri="http://schemas.microsoft.com/office/2006/documentManagement/types"/>
-    <ds:schemaRef ds:uri="http://www.w3.org/XML/1998/namespace"/>
-  </ds:schemaRefs>
-</ds:datastoreItem>
-</file>
-
-<file path=customXml/itemProps3.xml><?xml version="1.0" encoding="utf-8"?>
 <ds:datastoreItem xmlns:ds="http://schemas.openxmlformats.org/officeDocument/2006/customXml" ds:itemID="{0626A31D-3B82-488A-B68B-0B333E20C417}">
   <ds:schemaRefs>
     <ds:schemaRef ds:uri="http://schemas.microsoft.com/office/2006/metadata/contentType"/>
@@ -10502,4 +10475,20 @@
     <ds:schemaRef ds:uri="http://schemas.microsoft.com/internal/obd"/>
   </ds:schemaRefs>
 </ds:datastoreItem>
+</file>
+
+<file path=customXml/itemProps3.xml><?xml version="1.0" encoding="utf-8"?>
+<ds:datastoreItem xmlns:ds="http://schemas.openxmlformats.org/officeDocument/2006/customXml" ds:itemID="{66985437-8812-4ABE-89CE-3E49C89E0BF6}">
+  <ds:schemaRefs>
+    <ds:schemaRef ds:uri="de7f4a71-b510-446a-a776-c787f58d5553"/>
+    <ds:schemaRef ds:uri="http://schemas.openxmlformats.org/package/2006/metadata/core-properties"/>
+    <ds:schemaRef ds:uri="http://schemas.microsoft.com/office/2006/metadata/properties"/>
+    <ds:schemaRef ds:uri="http://purl.org/dc/terms/"/>
+    <ds:schemaRef ds:uri="http://purl.org/dc/dcmitype/"/>
+    <ds:schemaRef ds:uri="http://purl.org/dc/elements/1.1/"/>
+    <ds:schemaRef ds:uri="http://schemas.microsoft.com/office/infopath/2007/PartnerControls"/>
+    <ds:schemaRef ds:uri="http://schemas.microsoft.com/office/2006/documentManagement/types"/>
+    <ds:schemaRef ds:uri="http://www.w3.org/XML/1998/namespace"/>
+  </ds:schemaRefs>
+</ds:datastoreItem>
 </file>
--- a/doc/task-07/Task07.pptx
+++ b/doc/task-07/Task07.pptx
@@ -7510,12 +7510,8 @@
           <a:lstStyle/>
           <a:p>
             <a:r>
-              <a:rPr lang="de-CH" sz="1600" b="1" dirty="0" err="1"/>
-              <a:t>Gaup</a:t>
-            </a:r>
-            <a:r>
               <a:rPr lang="de-CH" sz="1600" b="1" dirty="0"/>
-              <a:t> David: </a:t>
+              <a:t>Gaupp David: </a:t>
             </a:r>
           </a:p>
           <a:p>
@@ -7527,12 +7523,8 @@
           </a:p>
           <a:p>
             <a:r>
-              <a:rPr lang="de-CH" sz="1600" b="1" dirty="0" err="1"/>
-              <a:t>Milketic</a:t>
-            </a:r>
-            <a:r>
               <a:rPr lang="de-CH" sz="1600" b="1" dirty="0"/>
-              <a:t> Marko: </a:t>
+              <a:t>Miletic Marko: </a:t>
             </a:r>
           </a:p>
           <a:p>
@@ -10314,6 +10306,12 @@
 </file>
 
 <file path=customXml/item2.xml><?xml version="1.0" encoding="utf-8"?>
+<p:properties xmlns:p="http://schemas.microsoft.com/office/2006/metadata/properties" xmlns:xsi="http://www.w3.org/2001/XMLSchema-instance" xmlns:pc="http://schemas.microsoft.com/office/infopath/2007/PartnerControls">
+  <documentManagement/>
+</p:properties>
+</file>
+
+<file path=customXml/item3.xml><?xml version="1.0" encoding="utf-8"?>
 <ct:contentTypeSchema xmlns:ct="http://schemas.microsoft.com/office/2006/metadata/contentType" xmlns:ma="http://schemas.microsoft.com/office/2006/metadata/properties/metaAttributes" ct:_="" ma:_="" ma:contentTypeName="Dokument" ma:contentTypeID="0x010100D78F6B955CE49741A0DA794E1BD19823" ma:contentTypeVersion="2" ma:contentTypeDescription="Ein neues Dokument erstellen." ma:contentTypeScope="" ma:versionID="b38c4b257f07a2bbe2e881e426cae38b">
   <xsd:schema xmlns:xsd="http://www.w3.org/2001/XMLSchema" xmlns:xs="http://www.w3.org/2001/XMLSchema" xmlns:p="http://schemas.microsoft.com/office/2006/metadata/properties" xmlns:ns3="de7f4a71-b510-446a-a776-c787f58d5553" targetNamespace="http://schemas.microsoft.com/office/2006/metadata/properties" ma:root="true" ma:fieldsID="98d1d1f20bcd69e07f996ac788fb9573" ns3:_="">
     <xsd:import namespace="de7f4a71-b510-446a-a776-c787f58d5553"/>
@@ -10445,12 +10443,6 @@
 </ct:contentTypeSchema>
 </file>
 
-<file path=customXml/item3.xml><?xml version="1.0" encoding="utf-8"?>
-<p:properties xmlns:p="http://schemas.microsoft.com/office/2006/metadata/properties" xmlns:xsi="http://www.w3.org/2001/XMLSchema-instance" xmlns:pc="http://schemas.microsoft.com/office/infopath/2007/PartnerControls">
-  <documentManagement/>
-</p:properties>
-</file>
-
 <file path=customXml/itemProps1.xml><?xml version="1.0" encoding="utf-8"?>
 <ds:datastoreItem xmlns:ds="http://schemas.openxmlformats.org/officeDocument/2006/customXml" ds:itemID="{7D2542CC-467A-4770-BDA7-ADCFF09F6DBF}">
   <ds:schemaRefs>
@@ -10460,6 +10452,22 @@
 </file>
 
 <file path=customXml/itemProps2.xml><?xml version="1.0" encoding="utf-8"?>
+<ds:datastoreItem xmlns:ds="http://schemas.openxmlformats.org/officeDocument/2006/customXml" ds:itemID="{66985437-8812-4ABE-89CE-3E49C89E0BF6}">
+  <ds:schemaRefs>
+    <ds:schemaRef ds:uri="de7f4a71-b510-446a-a776-c787f58d5553"/>
+    <ds:schemaRef ds:uri="http://schemas.openxmlformats.org/package/2006/metadata/core-properties"/>
+    <ds:schemaRef ds:uri="http://schemas.microsoft.com/office/2006/metadata/properties"/>
+    <ds:schemaRef ds:uri="http://purl.org/dc/terms/"/>
+    <ds:schemaRef ds:uri="http://purl.org/dc/dcmitype/"/>
+    <ds:schemaRef ds:uri="http://purl.org/dc/elements/1.1/"/>
+    <ds:schemaRef ds:uri="http://schemas.microsoft.com/office/infopath/2007/PartnerControls"/>
+    <ds:schemaRef ds:uri="http://schemas.microsoft.com/office/2006/documentManagement/types"/>
+    <ds:schemaRef ds:uri="http://www.w3.org/XML/1998/namespace"/>
+  </ds:schemaRefs>
+</ds:datastoreItem>
+</file>
+
+<file path=customXml/itemProps3.xml><?xml version="1.0" encoding="utf-8"?>
 <ds:datastoreItem xmlns:ds="http://schemas.openxmlformats.org/officeDocument/2006/customXml" ds:itemID="{0626A31D-3B82-488A-B68B-0B333E20C417}">
   <ds:schemaRefs>
     <ds:schemaRef ds:uri="http://schemas.microsoft.com/office/2006/metadata/contentType"/>
@@ -10475,20 +10483,4 @@
     <ds:schemaRef ds:uri="http://schemas.microsoft.com/internal/obd"/>
   </ds:schemaRefs>
 </ds:datastoreItem>
-</file>
-
-<file path=customXml/itemProps3.xml><?xml version="1.0" encoding="utf-8"?>
-<ds:datastoreItem xmlns:ds="http://schemas.openxmlformats.org/officeDocument/2006/customXml" ds:itemID="{66985437-8812-4ABE-89CE-3E49C89E0BF6}">
-  <ds:schemaRefs>
-    <ds:schemaRef ds:uri="de7f4a71-b510-446a-a776-c787f58d5553"/>
-    <ds:schemaRef ds:uri="http://schemas.openxmlformats.org/package/2006/metadata/core-properties"/>
-    <ds:schemaRef ds:uri="http://schemas.microsoft.com/office/2006/metadata/properties"/>
-    <ds:schemaRef ds:uri="http://purl.org/dc/terms/"/>
-    <ds:schemaRef ds:uri="http://purl.org/dc/dcmitype/"/>
-    <ds:schemaRef ds:uri="http://purl.org/dc/elements/1.1/"/>
-    <ds:schemaRef ds:uri="http://schemas.microsoft.com/office/infopath/2007/PartnerControls"/>
-    <ds:schemaRef ds:uri="http://schemas.microsoft.com/office/2006/documentManagement/types"/>
-    <ds:schemaRef ds:uri="http://www.w3.org/XML/1998/namespace"/>
-  </ds:schemaRefs>
-</ds:datastoreItem>
 </file>